--- a/Dashboard_Mockup.pptx
+++ b/Dashboard_Mockup.pptx
@@ -11,6 +11,7 @@
     <p:sldId id="259" r:id="rId5"/>
     <p:sldId id="260" r:id="rId6"/>
     <p:sldId id="261" r:id="rId7"/>
+    <p:sldId id="262" r:id="rId8"/>
   </p:sldIdLst>
   <p:sldSz cx="12192000" cy="6858000"/>
   <p:notesSz cx="6858000" cy="9144000"/>
@@ -109,6 +110,11 @@
       </a:defRPr>
     </a:lvl9pPr>
   </p:defaultTextStyle>
+  <p:extLst>
+    <p:ext uri="{EFAFB233-063F-42B5-8137-9DF3F51BA10A}">
+      <p15:sldGuideLst xmlns:p15="http://schemas.microsoft.com/office/powerpoint/2012/main"/>
+    </p:ext>
+  </p:extLst>
 </p:presentation>
 </file>
 
@@ -5060,38 +5066,10 @@
       </p:grpSpPr>
       <p:sp>
         <p:nvSpPr>
-          <p:cNvPr id="2" name="Title 1">
-            <a:extLst>
-              <a:ext uri="{FF2B5EF4-FFF2-40B4-BE49-F238E27FC236}">
-                <a16:creationId xmlns:a16="http://schemas.microsoft.com/office/drawing/2014/main" id="{81061EA3-C27F-294D-3DF3-3C1DD742B291}"/>
-              </a:ext>
-            </a:extLst>
-          </p:cNvPr>
-          <p:cNvSpPr>
-            <a:spLocks noGrp="1"/>
-          </p:cNvSpPr>
-          <p:nvPr>
-            <p:ph type="title"/>
-          </p:nvPr>
-        </p:nvSpPr>
-        <p:spPr/>
-        <p:txBody>
-          <a:bodyPr/>
-          <a:lstStyle/>
-          <a:p>
-            <a:r>
-              <a:rPr lang="en-US" dirty="0"/>
-              <a:t>Dashboard mockup - *for review*</a:t>
-            </a:r>
-          </a:p>
-        </p:txBody>
-      </p:sp>
-      <p:sp>
-        <p:nvSpPr>
-          <p:cNvPr id="4" name="Rounded Rectangle 3">
-            <a:extLst>
-              <a:ext uri="{FF2B5EF4-FFF2-40B4-BE49-F238E27FC236}">
-                <a16:creationId xmlns:a16="http://schemas.microsoft.com/office/drawing/2014/main" id="{E2D680DA-36CA-031A-FE0B-04792244FCDD}"/>
+          <p:cNvPr id="7" name="Rectangle 6">
+            <a:extLst>
+              <a:ext uri="{FF2B5EF4-FFF2-40B4-BE49-F238E27FC236}">
+                <a16:creationId xmlns:a16="http://schemas.microsoft.com/office/drawing/2014/main" id="{F95896E9-56FF-FA48-E36A-43063318BB2A}"/>
               </a:ext>
             </a:extLst>
           </p:cNvPr>
@@ -5100,16 +5078,982 @@
         </p:nvSpPr>
         <p:spPr>
           <a:xfrm>
-            <a:off x="801112" y="2095837"/>
-            <a:ext cx="11037536" cy="4393975"/>
+            <a:off x="979473" y="2186036"/>
+            <a:ext cx="9896560" cy="4249054"/>
           </a:xfrm>
-          <a:prstGeom prst="roundRect">
+          <a:prstGeom prst="rect">
             <a:avLst/>
           </a:prstGeom>
           <a:solidFill>
+            <a:schemeClr val="bg1"/>
+          </a:solidFill>
+          <a:ln>
+            <a:solidFill>
+              <a:schemeClr val="tx1"/>
+            </a:solidFill>
+          </a:ln>
+        </p:spPr>
+        <p:style>
+          <a:lnRef idx="2">
             <a:schemeClr val="accent1">
-              <a:lumMod val="20000"/>
-              <a:lumOff val="80000"/>
+              <a:shade val="50000"/>
+            </a:schemeClr>
+          </a:lnRef>
+          <a:fillRef idx="1">
+            <a:schemeClr val="accent1"/>
+          </a:fillRef>
+          <a:effectRef idx="0">
+            <a:schemeClr val="accent1"/>
+          </a:effectRef>
+          <a:fontRef idx="minor">
+            <a:schemeClr val="lt1"/>
+          </a:fontRef>
+        </p:style>
+        <p:txBody>
+          <a:bodyPr rtlCol="0" anchor="ctr"/>
+          <a:lstStyle/>
+          <a:p>
+            <a:pPr algn="ctr"/>
+            <a:endParaRPr lang="en-US" dirty="0"/>
+          </a:p>
+        </p:txBody>
+      </p:sp>
+      <p:sp>
+        <p:nvSpPr>
+          <p:cNvPr id="2" name="Title 1">
+            <a:extLst>
+              <a:ext uri="{FF2B5EF4-FFF2-40B4-BE49-F238E27FC236}">
+                <a16:creationId xmlns:a16="http://schemas.microsoft.com/office/drawing/2014/main" id="{81061EA3-C27F-294D-3DF3-3C1DD742B291}"/>
+              </a:ext>
+            </a:extLst>
+          </p:cNvPr>
+          <p:cNvSpPr>
+            <a:spLocks noGrp="1"/>
+          </p:cNvSpPr>
+          <p:nvPr>
+            <p:ph type="title"/>
+          </p:nvPr>
+        </p:nvSpPr>
+        <p:spPr/>
+        <p:txBody>
+          <a:bodyPr/>
+          <a:lstStyle/>
+          <a:p>
+            <a:r>
+              <a:rPr lang="en-US" dirty="0"/>
+              <a:t>Dashboard mockup - *for review*</a:t>
+            </a:r>
+          </a:p>
+        </p:txBody>
+      </p:sp>
+      <p:pic>
+        <p:nvPicPr>
+          <p:cNvPr id="1032" name="Picture 8">
+            <a:extLst>
+              <a:ext uri="{FF2B5EF4-FFF2-40B4-BE49-F238E27FC236}">
+                <a16:creationId xmlns:a16="http://schemas.microsoft.com/office/drawing/2014/main" id="{7231079E-9FC9-E7A3-989C-D547D3BCA40B}"/>
+              </a:ext>
+            </a:extLst>
+          </p:cNvPr>
+          <p:cNvPicPr>
+            <a:picLocks noChangeAspect="1" noChangeArrowheads="1"/>
+          </p:cNvPicPr>
+          <p:nvPr/>
+        </p:nvPicPr>
+        <p:blipFill>
+          <a:blip r:embed="rId2">
+            <a:extLst>
+              <a:ext uri="{28A0092B-C50C-407E-A947-70E740481C1C}">
+                <a14:useLocalDpi xmlns:a14="http://schemas.microsoft.com/office/drawing/2010/main" val="0"/>
+              </a:ext>
+            </a:extLst>
+          </a:blip>
+          <a:srcRect/>
+          <a:stretch>
+            <a:fillRect/>
+          </a:stretch>
+        </p:blipFill>
+        <p:spPr bwMode="auto">
+          <a:xfrm>
+            <a:off x="10461252" y="6004621"/>
+            <a:ext cx="329794" cy="375616"/>
+          </a:xfrm>
+          <a:prstGeom prst="rect">
+            <a:avLst/>
+          </a:prstGeom>
+          <a:noFill/>
+          <a:extLst>
+            <a:ext uri="{909E8E84-426E-40DD-AFC4-6F175D3DCCD1}">
+              <a14:hiddenFill xmlns:a14="http://schemas.microsoft.com/office/drawing/2010/main">
+                <a:solidFill>
+                  <a:srgbClr val="FFFFFF"/>
+                </a:solidFill>
+              </a14:hiddenFill>
+            </a:ext>
+          </a:extLst>
+        </p:spPr>
+      </p:pic>
+      <p:sp>
+        <p:nvSpPr>
+          <p:cNvPr id="19" name="Rectangle 18">
+            <a:extLst>
+              <a:ext uri="{FF2B5EF4-FFF2-40B4-BE49-F238E27FC236}">
+                <a16:creationId xmlns:a16="http://schemas.microsoft.com/office/drawing/2014/main" id="{C2BDDBFE-5490-74CD-4C14-A34F087B6BCF}"/>
+              </a:ext>
+            </a:extLst>
+          </p:cNvPr>
+          <p:cNvSpPr/>
+          <p:nvPr/>
+        </p:nvSpPr>
+        <p:spPr>
+          <a:xfrm>
+            <a:off x="1181437" y="2803095"/>
+            <a:ext cx="2427610" cy="234669"/>
+          </a:xfrm>
+          <a:prstGeom prst="rect">
+            <a:avLst/>
+          </a:prstGeom>
+          <a:solidFill>
+            <a:schemeClr val="tx2">
+              <a:lumMod val="90000"/>
+              <a:lumOff val="10000"/>
+            </a:schemeClr>
+          </a:solidFill>
+          <a:ln>
+            <a:solidFill>
+              <a:schemeClr val="tx1"/>
+            </a:solidFill>
+          </a:ln>
+        </p:spPr>
+        <p:style>
+          <a:lnRef idx="2">
+            <a:schemeClr val="accent1">
+              <a:shade val="50000"/>
+            </a:schemeClr>
+          </a:lnRef>
+          <a:fillRef idx="1">
+            <a:schemeClr val="accent1"/>
+          </a:fillRef>
+          <a:effectRef idx="0">
+            <a:schemeClr val="accent1"/>
+          </a:effectRef>
+          <a:fontRef idx="minor">
+            <a:schemeClr val="lt1"/>
+          </a:fontRef>
+        </p:style>
+        <p:txBody>
+          <a:bodyPr rtlCol="0" anchor="ctr"/>
+          <a:lstStyle/>
+          <a:p>
+            <a:pPr algn="ctr"/>
+            <a:r>
+              <a:rPr lang="en-US" sz="1050" dirty="0">
+                <a:solidFill>
+                  <a:schemeClr val="bg1"/>
+                </a:solidFill>
+              </a:rPr>
+              <a:t>High Level Indicators</a:t>
+            </a:r>
+          </a:p>
+        </p:txBody>
+      </p:sp>
+      <p:sp>
+        <p:nvSpPr>
+          <p:cNvPr id="20" name="Rectangle 19">
+            <a:extLst>
+              <a:ext uri="{FF2B5EF4-FFF2-40B4-BE49-F238E27FC236}">
+                <a16:creationId xmlns:a16="http://schemas.microsoft.com/office/drawing/2014/main" id="{92DE785D-274F-98CC-E98E-72499B8ACE52}"/>
+              </a:ext>
+            </a:extLst>
+          </p:cNvPr>
+          <p:cNvSpPr/>
+          <p:nvPr/>
+        </p:nvSpPr>
+        <p:spPr>
+          <a:xfrm>
+            <a:off x="1181437" y="3109003"/>
+            <a:ext cx="1165254" cy="319997"/>
+          </a:xfrm>
+          <a:prstGeom prst="rect">
+            <a:avLst/>
+          </a:prstGeom>
+          <a:solidFill>
+            <a:schemeClr val="bg1"/>
+          </a:solidFill>
+          <a:ln>
+            <a:solidFill>
+              <a:schemeClr val="tx1"/>
+            </a:solidFill>
+          </a:ln>
+        </p:spPr>
+        <p:style>
+          <a:lnRef idx="2">
+            <a:schemeClr val="accent1">
+              <a:shade val="50000"/>
+            </a:schemeClr>
+          </a:lnRef>
+          <a:fillRef idx="1">
+            <a:schemeClr val="accent1"/>
+          </a:fillRef>
+          <a:effectRef idx="0">
+            <a:schemeClr val="accent1"/>
+          </a:effectRef>
+          <a:fontRef idx="minor">
+            <a:schemeClr val="lt1"/>
+          </a:fontRef>
+        </p:style>
+        <p:txBody>
+          <a:bodyPr rtlCol="0" anchor="ctr"/>
+          <a:lstStyle/>
+          <a:p>
+            <a:pPr algn="ctr"/>
+            <a:r>
+              <a:rPr lang="en-US" sz="1050" dirty="0" err="1">
+                <a:solidFill>
+                  <a:schemeClr val="tx1"/>
+                </a:solidFill>
+              </a:rPr>
+              <a:t>Nbr</a:t>
+            </a:r>
+            <a:r>
+              <a:rPr lang="en-US" sz="1050" dirty="0">
+                <a:solidFill>
+                  <a:schemeClr val="tx1"/>
+                </a:solidFill>
+              </a:rPr>
+              <a:t> of Crimes</a:t>
+            </a:r>
+          </a:p>
+        </p:txBody>
+      </p:sp>
+      <p:sp>
+        <p:nvSpPr>
+          <p:cNvPr id="21" name="Rectangle 20">
+            <a:extLst>
+              <a:ext uri="{FF2B5EF4-FFF2-40B4-BE49-F238E27FC236}">
+                <a16:creationId xmlns:a16="http://schemas.microsoft.com/office/drawing/2014/main" id="{28EFAAA0-107B-D917-B954-0CA6D608B6EB}"/>
+              </a:ext>
+            </a:extLst>
+          </p:cNvPr>
+          <p:cNvSpPr/>
+          <p:nvPr/>
+        </p:nvSpPr>
+        <p:spPr>
+          <a:xfrm>
+            <a:off x="2443793" y="3103729"/>
+            <a:ext cx="1165254" cy="325271"/>
+          </a:xfrm>
+          <a:prstGeom prst="rect">
+            <a:avLst/>
+          </a:prstGeom>
+          <a:solidFill>
+            <a:schemeClr val="bg1"/>
+          </a:solidFill>
+          <a:ln>
+            <a:solidFill>
+              <a:schemeClr val="tx1"/>
+            </a:solidFill>
+          </a:ln>
+        </p:spPr>
+        <p:style>
+          <a:lnRef idx="2">
+            <a:schemeClr val="accent1">
+              <a:shade val="50000"/>
+            </a:schemeClr>
+          </a:lnRef>
+          <a:fillRef idx="1">
+            <a:schemeClr val="accent1"/>
+          </a:fillRef>
+          <a:effectRef idx="0">
+            <a:schemeClr val="accent1"/>
+          </a:effectRef>
+          <a:fontRef idx="minor">
+            <a:schemeClr val="lt1"/>
+          </a:fontRef>
+        </p:style>
+        <p:txBody>
+          <a:bodyPr rtlCol="0" anchor="ctr"/>
+          <a:lstStyle/>
+          <a:p>
+            <a:pPr algn="ctr"/>
+            <a:r>
+              <a:rPr lang="en-US" sz="1050" dirty="0">
+                <a:solidFill>
+                  <a:schemeClr val="tx1"/>
+                </a:solidFill>
+              </a:rPr>
+              <a:t>Avg Temp</a:t>
+            </a:r>
+          </a:p>
+        </p:txBody>
+      </p:sp>
+      <p:sp>
+        <p:nvSpPr>
+          <p:cNvPr id="22" name="Rectangle 21">
+            <a:extLst>
+              <a:ext uri="{FF2B5EF4-FFF2-40B4-BE49-F238E27FC236}">
+                <a16:creationId xmlns:a16="http://schemas.microsoft.com/office/drawing/2014/main" id="{28819383-2608-551C-B730-F0CB849ABE76}"/>
+              </a:ext>
+            </a:extLst>
+          </p:cNvPr>
+          <p:cNvSpPr/>
+          <p:nvPr/>
+        </p:nvSpPr>
+        <p:spPr>
+          <a:xfrm>
+            <a:off x="6601751" y="2803095"/>
+            <a:ext cx="3642766" cy="781677"/>
+          </a:xfrm>
+          <a:prstGeom prst="rect">
+            <a:avLst/>
+          </a:prstGeom>
+          <a:solidFill>
+            <a:schemeClr val="bg1"/>
+          </a:solidFill>
+          <a:ln>
+            <a:solidFill>
+              <a:schemeClr val="tx1"/>
+            </a:solidFill>
+          </a:ln>
+        </p:spPr>
+        <p:style>
+          <a:lnRef idx="2">
+            <a:schemeClr val="accent1">
+              <a:shade val="50000"/>
+            </a:schemeClr>
+          </a:lnRef>
+          <a:fillRef idx="1">
+            <a:schemeClr val="accent1"/>
+          </a:fillRef>
+          <a:effectRef idx="0">
+            <a:schemeClr val="accent1"/>
+          </a:effectRef>
+          <a:fontRef idx="minor">
+            <a:schemeClr val="lt1"/>
+          </a:fontRef>
+        </p:style>
+        <p:txBody>
+          <a:bodyPr rtlCol="0" anchor="ctr"/>
+          <a:lstStyle/>
+          <a:p>
+            <a:pPr algn="ctr"/>
+            <a:r>
+              <a:rPr lang="en-US" sz="1050" dirty="0">
+                <a:solidFill>
+                  <a:schemeClr val="tx1"/>
+                </a:solidFill>
+              </a:rPr>
+              <a:t>Line Graph</a:t>
+            </a:r>
+            <a:br>
+              <a:rPr lang="en-US" sz="1050" dirty="0">
+                <a:solidFill>
+                  <a:schemeClr val="tx1"/>
+                </a:solidFill>
+              </a:rPr>
+            </a:br>
+            <a:r>
+              <a:rPr lang="en-US" sz="1050" dirty="0">
+                <a:solidFill>
+                  <a:schemeClr val="tx1"/>
+                </a:solidFill>
+              </a:rPr>
+              <a:t>- </a:t>
+            </a:r>
+            <a:r>
+              <a:rPr lang="en-US" sz="1050" dirty="0" err="1">
+                <a:solidFill>
+                  <a:schemeClr val="tx1"/>
+                </a:solidFill>
+              </a:rPr>
+              <a:t>Nbr</a:t>
+            </a:r>
+            <a:r>
+              <a:rPr lang="en-US" sz="1050" dirty="0">
+                <a:solidFill>
+                  <a:schemeClr val="tx1"/>
+                </a:solidFill>
+              </a:rPr>
+              <a:t> of Crimes over Time</a:t>
+            </a:r>
+          </a:p>
+          <a:p>
+            <a:pPr algn="ctr"/>
+            <a:r>
+              <a:rPr lang="en-US" sz="1050" dirty="0">
+                <a:solidFill>
+                  <a:schemeClr val="tx1"/>
+                </a:solidFill>
+              </a:rPr>
+              <a:t>- Total precipitation over Time</a:t>
+            </a:r>
+          </a:p>
+        </p:txBody>
+      </p:sp>
+      <p:sp>
+        <p:nvSpPr>
+          <p:cNvPr id="23" name="Rectangle 22">
+            <a:extLst>
+              <a:ext uri="{FF2B5EF4-FFF2-40B4-BE49-F238E27FC236}">
+                <a16:creationId xmlns:a16="http://schemas.microsoft.com/office/drawing/2014/main" id="{AF994759-200C-F9B1-359A-27305BF519D7}"/>
+              </a:ext>
+            </a:extLst>
+          </p:cNvPr>
+          <p:cNvSpPr/>
+          <p:nvPr/>
+        </p:nvSpPr>
+        <p:spPr>
+          <a:xfrm>
+            <a:off x="6601751" y="3715453"/>
+            <a:ext cx="3642766" cy="2507322"/>
+          </a:xfrm>
+          <a:prstGeom prst="rect">
+            <a:avLst/>
+          </a:prstGeom>
+          <a:solidFill>
+            <a:schemeClr val="bg1"/>
+          </a:solidFill>
+          <a:ln>
+            <a:solidFill>
+              <a:schemeClr val="tx1"/>
+            </a:solidFill>
+          </a:ln>
+        </p:spPr>
+        <p:style>
+          <a:lnRef idx="2">
+            <a:schemeClr val="accent1">
+              <a:shade val="50000"/>
+            </a:schemeClr>
+          </a:lnRef>
+          <a:fillRef idx="1">
+            <a:schemeClr val="accent1"/>
+          </a:fillRef>
+          <a:effectRef idx="0">
+            <a:schemeClr val="accent1"/>
+          </a:effectRef>
+          <a:fontRef idx="minor">
+            <a:schemeClr val="lt1"/>
+          </a:fontRef>
+        </p:style>
+        <p:txBody>
+          <a:bodyPr rtlCol="0" anchor="ctr"/>
+          <a:lstStyle/>
+          <a:p>
+            <a:pPr algn="ctr"/>
+            <a:r>
+              <a:rPr lang="en-US" sz="1050" dirty="0">
+                <a:solidFill>
+                  <a:schemeClr val="tx1"/>
+                </a:solidFill>
+              </a:rPr>
+              <a:t>Map/heatmap – density of crimes across Toronto</a:t>
+            </a:r>
+          </a:p>
+          <a:p>
+            <a:pPr algn="ctr"/>
+            <a:r>
+              <a:rPr lang="en-US" sz="1050" dirty="0">
+                <a:solidFill>
+                  <a:schemeClr val="tx1"/>
+                </a:solidFill>
+              </a:rPr>
+              <a:t>Tooltip – crime type, various weather metrics</a:t>
+            </a:r>
+          </a:p>
+        </p:txBody>
+      </p:sp>
+      <p:sp>
+        <p:nvSpPr>
+          <p:cNvPr id="24" name="Rectangle 23">
+            <a:extLst>
+              <a:ext uri="{FF2B5EF4-FFF2-40B4-BE49-F238E27FC236}">
+                <a16:creationId xmlns:a16="http://schemas.microsoft.com/office/drawing/2014/main" id="{CC7AD10F-4B90-BD07-D00D-501FA2BC4F9A}"/>
+              </a:ext>
+            </a:extLst>
+          </p:cNvPr>
+          <p:cNvSpPr/>
+          <p:nvPr/>
+        </p:nvSpPr>
+        <p:spPr>
+          <a:xfrm>
+            <a:off x="1181437" y="4766947"/>
+            <a:ext cx="2427610" cy="234669"/>
+          </a:xfrm>
+          <a:prstGeom prst="rect">
+            <a:avLst/>
+          </a:prstGeom>
+          <a:solidFill>
+            <a:schemeClr val="tx2">
+              <a:lumMod val="90000"/>
+              <a:lumOff val="10000"/>
+            </a:schemeClr>
+          </a:solidFill>
+          <a:ln>
+            <a:solidFill>
+              <a:schemeClr val="tx1"/>
+            </a:solidFill>
+          </a:ln>
+        </p:spPr>
+        <p:style>
+          <a:lnRef idx="2">
+            <a:schemeClr val="accent1">
+              <a:shade val="50000"/>
+            </a:schemeClr>
+          </a:lnRef>
+          <a:fillRef idx="1">
+            <a:schemeClr val="accent1"/>
+          </a:fillRef>
+          <a:effectRef idx="0">
+            <a:schemeClr val="accent1"/>
+          </a:effectRef>
+          <a:fontRef idx="minor">
+            <a:schemeClr val="lt1"/>
+          </a:fontRef>
+        </p:style>
+        <p:txBody>
+          <a:bodyPr rtlCol="0" anchor="ctr"/>
+          <a:lstStyle/>
+          <a:p>
+            <a:pPr algn="ctr"/>
+            <a:r>
+              <a:rPr lang="en-US" sz="1050" dirty="0">
+                <a:solidFill>
+                  <a:schemeClr val="bg1"/>
+                </a:solidFill>
+              </a:rPr>
+              <a:t>Filters</a:t>
+            </a:r>
+          </a:p>
+        </p:txBody>
+      </p:sp>
+      <p:sp>
+        <p:nvSpPr>
+          <p:cNvPr id="25" name="Rectangle 24">
+            <a:extLst>
+              <a:ext uri="{FF2B5EF4-FFF2-40B4-BE49-F238E27FC236}">
+                <a16:creationId xmlns:a16="http://schemas.microsoft.com/office/drawing/2014/main" id="{EF778A3E-C76B-7A0C-B773-D1C6CD12784D}"/>
+              </a:ext>
+            </a:extLst>
+          </p:cNvPr>
+          <p:cNvSpPr/>
+          <p:nvPr/>
+        </p:nvSpPr>
+        <p:spPr>
+          <a:xfrm>
+            <a:off x="1181437" y="5040848"/>
+            <a:ext cx="2427610" cy="234669"/>
+          </a:xfrm>
+          <a:prstGeom prst="rect">
+            <a:avLst/>
+          </a:prstGeom>
+          <a:solidFill>
+            <a:schemeClr val="bg1"/>
+          </a:solidFill>
+          <a:ln>
+            <a:solidFill>
+              <a:schemeClr val="tx1"/>
+            </a:solidFill>
+          </a:ln>
+        </p:spPr>
+        <p:style>
+          <a:lnRef idx="2">
+            <a:schemeClr val="accent1">
+              <a:shade val="50000"/>
+            </a:schemeClr>
+          </a:lnRef>
+          <a:fillRef idx="1">
+            <a:schemeClr val="accent1"/>
+          </a:fillRef>
+          <a:effectRef idx="0">
+            <a:schemeClr val="accent1"/>
+          </a:effectRef>
+          <a:fontRef idx="minor">
+            <a:schemeClr val="lt1"/>
+          </a:fontRef>
+        </p:style>
+        <p:txBody>
+          <a:bodyPr rtlCol="0" anchor="ctr"/>
+          <a:lstStyle/>
+          <a:p>
+            <a:pPr algn="ctr"/>
+            <a:r>
+              <a:rPr lang="en-US" sz="1050" dirty="0">
+                <a:solidFill>
+                  <a:schemeClr val="tx1"/>
+                </a:solidFill>
+              </a:rPr>
+              <a:t>Neighborhood</a:t>
+            </a:r>
+          </a:p>
+        </p:txBody>
+      </p:sp>
+      <p:sp>
+        <p:nvSpPr>
+          <p:cNvPr id="26" name="Rectangle 25">
+            <a:extLst>
+              <a:ext uri="{FF2B5EF4-FFF2-40B4-BE49-F238E27FC236}">
+                <a16:creationId xmlns:a16="http://schemas.microsoft.com/office/drawing/2014/main" id="{237013A3-54C1-035C-DEE3-043A03021852}"/>
+              </a:ext>
+            </a:extLst>
+          </p:cNvPr>
+          <p:cNvSpPr/>
+          <p:nvPr/>
+        </p:nvSpPr>
+        <p:spPr>
+          <a:xfrm>
+            <a:off x="1181437" y="5314749"/>
+            <a:ext cx="2427610" cy="234669"/>
+          </a:xfrm>
+          <a:prstGeom prst="rect">
+            <a:avLst/>
+          </a:prstGeom>
+          <a:solidFill>
+            <a:schemeClr val="bg1"/>
+          </a:solidFill>
+          <a:ln>
+            <a:solidFill>
+              <a:schemeClr val="tx1"/>
+            </a:solidFill>
+          </a:ln>
+        </p:spPr>
+        <p:style>
+          <a:lnRef idx="2">
+            <a:schemeClr val="accent1">
+              <a:shade val="50000"/>
+            </a:schemeClr>
+          </a:lnRef>
+          <a:fillRef idx="1">
+            <a:schemeClr val="accent1"/>
+          </a:fillRef>
+          <a:effectRef idx="0">
+            <a:schemeClr val="accent1"/>
+          </a:effectRef>
+          <a:fontRef idx="minor">
+            <a:schemeClr val="lt1"/>
+          </a:fontRef>
+        </p:style>
+        <p:txBody>
+          <a:bodyPr rtlCol="0" anchor="ctr"/>
+          <a:lstStyle/>
+          <a:p>
+            <a:pPr algn="ctr"/>
+            <a:r>
+              <a:rPr lang="en-US" sz="1050" dirty="0">
+                <a:solidFill>
+                  <a:schemeClr val="tx1"/>
+                </a:solidFill>
+              </a:rPr>
+              <a:t>Date Range</a:t>
+            </a:r>
+          </a:p>
+        </p:txBody>
+      </p:sp>
+      <p:sp>
+        <p:nvSpPr>
+          <p:cNvPr id="27" name="Rectangle 26">
+            <a:extLst>
+              <a:ext uri="{FF2B5EF4-FFF2-40B4-BE49-F238E27FC236}">
+                <a16:creationId xmlns:a16="http://schemas.microsoft.com/office/drawing/2014/main" id="{55754066-37B4-330A-B389-9B59C162BD1A}"/>
+              </a:ext>
+            </a:extLst>
+          </p:cNvPr>
+          <p:cNvSpPr/>
+          <p:nvPr/>
+        </p:nvSpPr>
+        <p:spPr>
+          <a:xfrm>
+            <a:off x="1181437" y="5601018"/>
+            <a:ext cx="2427610" cy="234669"/>
+          </a:xfrm>
+          <a:prstGeom prst="rect">
+            <a:avLst/>
+          </a:prstGeom>
+          <a:solidFill>
+            <a:schemeClr val="bg1"/>
+          </a:solidFill>
+          <a:ln>
+            <a:solidFill>
+              <a:schemeClr val="tx1"/>
+            </a:solidFill>
+          </a:ln>
+        </p:spPr>
+        <p:style>
+          <a:lnRef idx="2">
+            <a:schemeClr val="accent1">
+              <a:shade val="50000"/>
+            </a:schemeClr>
+          </a:lnRef>
+          <a:fillRef idx="1">
+            <a:schemeClr val="accent1"/>
+          </a:fillRef>
+          <a:effectRef idx="0">
+            <a:schemeClr val="accent1"/>
+          </a:effectRef>
+          <a:fontRef idx="minor">
+            <a:schemeClr val="lt1"/>
+          </a:fontRef>
+        </p:style>
+        <p:txBody>
+          <a:bodyPr rtlCol="0" anchor="ctr"/>
+          <a:lstStyle/>
+          <a:p>
+            <a:pPr algn="ctr"/>
+            <a:r>
+              <a:rPr lang="en-US" sz="1050" dirty="0">
+                <a:solidFill>
+                  <a:schemeClr val="tx1"/>
+                </a:solidFill>
+              </a:rPr>
+              <a:t>Offence Type</a:t>
+            </a:r>
+          </a:p>
+        </p:txBody>
+      </p:sp>
+      <p:sp>
+        <p:nvSpPr>
+          <p:cNvPr id="28" name="Rectangle 27">
+            <a:extLst>
+              <a:ext uri="{FF2B5EF4-FFF2-40B4-BE49-F238E27FC236}">
+                <a16:creationId xmlns:a16="http://schemas.microsoft.com/office/drawing/2014/main" id="{361C4C32-7F6B-0F50-581B-82F7E5AE40E5}"/>
+              </a:ext>
+            </a:extLst>
+          </p:cNvPr>
+          <p:cNvSpPr/>
+          <p:nvPr/>
+        </p:nvSpPr>
+        <p:spPr>
+          <a:xfrm>
+            <a:off x="1181437" y="5887287"/>
+            <a:ext cx="2427610" cy="234669"/>
+          </a:xfrm>
+          <a:prstGeom prst="rect">
+            <a:avLst/>
+          </a:prstGeom>
+          <a:solidFill>
+            <a:schemeClr val="bg1"/>
+          </a:solidFill>
+          <a:ln>
+            <a:solidFill>
+              <a:schemeClr val="tx1"/>
+            </a:solidFill>
+          </a:ln>
+        </p:spPr>
+        <p:style>
+          <a:lnRef idx="2">
+            <a:schemeClr val="accent1">
+              <a:shade val="50000"/>
+            </a:schemeClr>
+          </a:lnRef>
+          <a:fillRef idx="1">
+            <a:schemeClr val="accent1"/>
+          </a:fillRef>
+          <a:effectRef idx="0">
+            <a:schemeClr val="accent1"/>
+          </a:effectRef>
+          <a:fontRef idx="minor">
+            <a:schemeClr val="lt1"/>
+          </a:fontRef>
+        </p:style>
+        <p:txBody>
+          <a:bodyPr rtlCol="0" anchor="ctr"/>
+          <a:lstStyle/>
+          <a:p>
+            <a:pPr algn="ctr"/>
+            <a:r>
+              <a:rPr lang="en-US" sz="1050" dirty="0">
+                <a:solidFill>
+                  <a:schemeClr val="tx1"/>
+                </a:solidFill>
+              </a:rPr>
+              <a:t>Temperature Range</a:t>
+            </a:r>
+          </a:p>
+        </p:txBody>
+      </p:sp>
+      <p:sp>
+        <p:nvSpPr>
+          <p:cNvPr id="29" name="Rectangle 28">
+            <a:extLst>
+              <a:ext uri="{FF2B5EF4-FFF2-40B4-BE49-F238E27FC236}">
+                <a16:creationId xmlns:a16="http://schemas.microsoft.com/office/drawing/2014/main" id="{981F35F2-9550-478C-9116-A7BCA7D4698E}"/>
+              </a:ext>
+            </a:extLst>
+          </p:cNvPr>
+          <p:cNvSpPr/>
+          <p:nvPr/>
+        </p:nvSpPr>
+        <p:spPr>
+          <a:xfrm>
+            <a:off x="1181437" y="3715453"/>
+            <a:ext cx="1165254" cy="872731"/>
+          </a:xfrm>
+          <a:prstGeom prst="rect">
+            <a:avLst/>
+          </a:prstGeom>
+          <a:solidFill>
+            <a:schemeClr val="bg1"/>
+          </a:solidFill>
+          <a:ln>
+            <a:solidFill>
+              <a:schemeClr val="tx1"/>
+            </a:solidFill>
+          </a:ln>
+        </p:spPr>
+        <p:style>
+          <a:lnRef idx="2">
+            <a:schemeClr val="accent1">
+              <a:shade val="50000"/>
+            </a:schemeClr>
+          </a:lnRef>
+          <a:fillRef idx="1">
+            <a:schemeClr val="accent1"/>
+          </a:fillRef>
+          <a:effectRef idx="0">
+            <a:schemeClr val="accent1"/>
+          </a:effectRef>
+          <a:fontRef idx="minor">
+            <a:schemeClr val="lt1"/>
+          </a:fontRef>
+        </p:style>
+        <p:txBody>
+          <a:bodyPr rtlCol="0" anchor="ctr"/>
+          <a:lstStyle/>
+          <a:p>
+            <a:pPr algn="ctr"/>
+            <a:r>
+              <a:rPr lang="en-US" sz="1050" dirty="0">
+                <a:solidFill>
+                  <a:schemeClr val="tx1"/>
+                </a:solidFill>
+              </a:rPr>
+              <a:t>Pie Chart</a:t>
+            </a:r>
+          </a:p>
+          <a:p>
+            <a:pPr algn="ctr"/>
+            <a:r>
+              <a:rPr lang="en-US" sz="1050" dirty="0" err="1">
+                <a:solidFill>
+                  <a:schemeClr val="tx1"/>
+                </a:solidFill>
+              </a:rPr>
+              <a:t>Nbr</a:t>
+            </a:r>
+            <a:r>
+              <a:rPr lang="en-US" sz="1050" dirty="0">
+                <a:solidFill>
+                  <a:schemeClr val="tx1"/>
+                </a:solidFill>
+              </a:rPr>
+              <a:t> of Crimes by Offence type</a:t>
+            </a:r>
+          </a:p>
+        </p:txBody>
+      </p:sp>
+      <p:sp>
+        <p:nvSpPr>
+          <p:cNvPr id="30" name="Rectangle 29">
+            <a:extLst>
+              <a:ext uri="{FF2B5EF4-FFF2-40B4-BE49-F238E27FC236}">
+                <a16:creationId xmlns:a16="http://schemas.microsoft.com/office/drawing/2014/main" id="{77B06A13-8DB8-B86A-7F42-1D80A4F05FD8}"/>
+              </a:ext>
+            </a:extLst>
+          </p:cNvPr>
+          <p:cNvSpPr/>
+          <p:nvPr/>
+        </p:nvSpPr>
+        <p:spPr>
+          <a:xfrm>
+            <a:off x="2443794" y="3705952"/>
+            <a:ext cx="1165254" cy="872731"/>
+          </a:xfrm>
+          <a:prstGeom prst="rect">
+            <a:avLst/>
+          </a:prstGeom>
+          <a:solidFill>
+            <a:schemeClr val="bg1"/>
+          </a:solidFill>
+          <a:ln>
+            <a:solidFill>
+              <a:schemeClr val="tx1"/>
+            </a:solidFill>
+          </a:ln>
+        </p:spPr>
+        <p:style>
+          <a:lnRef idx="2">
+            <a:schemeClr val="accent1">
+              <a:shade val="50000"/>
+            </a:schemeClr>
+          </a:lnRef>
+          <a:fillRef idx="1">
+            <a:schemeClr val="accent1"/>
+          </a:fillRef>
+          <a:effectRef idx="0">
+            <a:schemeClr val="accent1"/>
+          </a:effectRef>
+          <a:fontRef idx="minor">
+            <a:schemeClr val="lt1"/>
+          </a:fontRef>
+        </p:style>
+        <p:txBody>
+          <a:bodyPr rtlCol="0" anchor="ctr"/>
+          <a:lstStyle/>
+          <a:p>
+            <a:pPr algn="ctr"/>
+            <a:r>
+              <a:rPr lang="en-US" sz="1050" dirty="0">
+                <a:solidFill>
+                  <a:schemeClr val="tx1"/>
+                </a:solidFill>
+              </a:rPr>
+              <a:t>Pie Chart</a:t>
+            </a:r>
+          </a:p>
+          <a:p>
+            <a:pPr algn="ctr"/>
+            <a:r>
+              <a:rPr lang="en-US" sz="1050" dirty="0" err="1">
+                <a:solidFill>
+                  <a:schemeClr val="tx1"/>
+                </a:solidFill>
+              </a:rPr>
+              <a:t>Nbr</a:t>
+            </a:r>
+            <a:r>
+              <a:rPr lang="en-US" sz="1050" dirty="0">
+                <a:solidFill>
+                  <a:schemeClr val="tx1"/>
+                </a:solidFill>
+              </a:rPr>
+              <a:t> of Crimes by Location Type</a:t>
+            </a:r>
+          </a:p>
+        </p:txBody>
+      </p:sp>
+      <p:sp>
+        <p:nvSpPr>
+          <p:cNvPr id="31" name="Rectangle 30">
+            <a:extLst>
+              <a:ext uri="{FF2B5EF4-FFF2-40B4-BE49-F238E27FC236}">
+                <a16:creationId xmlns:a16="http://schemas.microsoft.com/office/drawing/2014/main" id="{CC1E4057-A7AA-7160-FF62-8C2FBD320BDA}"/>
+              </a:ext>
+            </a:extLst>
+          </p:cNvPr>
+          <p:cNvSpPr/>
+          <p:nvPr/>
+        </p:nvSpPr>
+        <p:spPr>
+          <a:xfrm>
+            <a:off x="1181436" y="2247195"/>
+            <a:ext cx="9609609" cy="500240"/>
+          </a:xfrm>
+          <a:prstGeom prst="rect">
+            <a:avLst/>
+          </a:prstGeom>
+          <a:solidFill>
+            <a:schemeClr val="tx2">
+              <a:lumMod val="90000"/>
+              <a:lumOff val="10000"/>
             </a:schemeClr>
           </a:solidFill>
         </p:spPr>
@@ -5134,65 +6078,45 @@
           <a:lstStyle/>
           <a:p>
             <a:pPr algn="ctr"/>
-            <a:endParaRPr lang="en-US"/>
-          </a:p>
-        </p:txBody>
-      </p:sp>
-      <p:sp>
-        <p:nvSpPr>
-          <p:cNvPr id="5" name="TextBox 4">
-            <a:extLst>
-              <a:ext uri="{FF2B5EF4-FFF2-40B4-BE49-F238E27FC236}">
-                <a16:creationId xmlns:a16="http://schemas.microsoft.com/office/drawing/2014/main" id="{84144479-7825-B417-A6FF-483EB3B15C21}"/>
-              </a:ext>
-            </a:extLst>
-          </p:cNvPr>
-          <p:cNvSpPr txBox="1"/>
+            <a:r>
+              <a:rPr lang="en-US" sz="2000" dirty="0">
+                <a:solidFill>
+                  <a:schemeClr val="bg1"/>
+                </a:solidFill>
+              </a:rPr>
+              <a:t>Impact of Weather on Toronto Crime Rates</a:t>
+            </a:r>
+          </a:p>
+        </p:txBody>
+      </p:sp>
+      <p:sp>
+        <p:nvSpPr>
+          <p:cNvPr id="32" name="Rectangle 31">
+            <a:extLst>
+              <a:ext uri="{FF2B5EF4-FFF2-40B4-BE49-F238E27FC236}">
+                <a16:creationId xmlns:a16="http://schemas.microsoft.com/office/drawing/2014/main" id="{C09D86F9-0F96-8A43-C5AD-D124CB3D8616}"/>
+              </a:ext>
+            </a:extLst>
+          </p:cNvPr>
+          <p:cNvSpPr/>
           <p:nvPr/>
         </p:nvSpPr>
         <p:spPr>
           <a:xfrm>
-            <a:off x="3911150" y="2189839"/>
-            <a:ext cx="5097983" cy="369332"/>
+            <a:off x="3768867" y="2807427"/>
+            <a:ext cx="2737129" cy="3415348"/>
           </a:xfrm>
           <a:prstGeom prst="rect">
             <a:avLst/>
           </a:prstGeom>
-          <a:noFill/>
-        </p:spPr>
-        <p:txBody>
-          <a:bodyPr wrap="square" rtlCol="0">
-            <a:spAutoFit/>
-          </a:bodyPr>
-          <a:lstStyle/>
-          <a:p>
-            <a:r>
-              <a:rPr lang="en-US" dirty="0"/>
-              <a:t>Impact of Weather on Toronto Crime Rates</a:t>
-            </a:r>
-          </a:p>
-        </p:txBody>
-      </p:sp>
-      <p:sp>
-        <p:nvSpPr>
-          <p:cNvPr id="6" name="Rounded Rectangle 5">
-            <a:extLst>
-              <a:ext uri="{FF2B5EF4-FFF2-40B4-BE49-F238E27FC236}">
-                <a16:creationId xmlns:a16="http://schemas.microsoft.com/office/drawing/2014/main" id="{91ACC71A-CF3E-5112-EE38-D9D417B88809}"/>
-              </a:ext>
-            </a:extLst>
-          </p:cNvPr>
-          <p:cNvSpPr/>
-          <p:nvPr/>
-        </p:nvSpPr>
-        <p:spPr>
-          <a:xfrm>
-            <a:off x="1181437" y="2743200"/>
-            <a:ext cx="2427611" cy="1549624"/>
-          </a:xfrm>
-          <a:prstGeom prst="roundRect">
-            <a:avLst/>
-          </a:prstGeom>
+          <a:solidFill>
+            <a:schemeClr val="bg1"/>
+          </a:solidFill>
+          <a:ln>
+            <a:solidFill>
+              <a:schemeClr val="tx1"/>
+            </a:solidFill>
+          </a:ln>
         </p:spPr>
         <p:style>
           <a:lnRef idx="2">
@@ -5216,204 +6140,51 @@
           <a:p>
             <a:pPr algn="ctr"/>
             <a:r>
-              <a:rPr lang="en-US" dirty="0"/>
-              <a:t>KPIs</a:t>
-            </a:r>
-          </a:p>
-        </p:txBody>
-      </p:sp>
-      <p:sp>
-        <p:nvSpPr>
-          <p:cNvPr id="8" name="Rounded Rectangle 7">
-            <a:extLst>
-              <a:ext uri="{FF2B5EF4-FFF2-40B4-BE49-F238E27FC236}">
-                <a16:creationId xmlns:a16="http://schemas.microsoft.com/office/drawing/2014/main" id="{C63B06D3-C826-B906-E4DE-0D428092B9B0}"/>
-              </a:ext>
-            </a:extLst>
-          </p:cNvPr>
-          <p:cNvSpPr/>
+              <a:rPr lang="en-US" sz="1050" dirty="0">
+                <a:solidFill>
+                  <a:schemeClr val="tx1"/>
+                </a:solidFill>
+              </a:rPr>
+              <a:t>?</a:t>
+            </a:r>
+          </a:p>
+        </p:txBody>
+      </p:sp>
+      <p:sp>
+        <p:nvSpPr>
+          <p:cNvPr id="3" name="TextBox 2">
+            <a:extLst>
+              <a:ext uri="{FF2B5EF4-FFF2-40B4-BE49-F238E27FC236}">
+                <a16:creationId xmlns:a16="http://schemas.microsoft.com/office/drawing/2014/main" id="{85F9ECC0-0FD4-5937-75F4-CAAAB16F1F6C}"/>
+              </a:ext>
+            </a:extLst>
+          </p:cNvPr>
+          <p:cNvSpPr txBox="1"/>
           <p:nvPr/>
         </p:nvSpPr>
         <p:spPr>
           <a:xfrm>
-            <a:off x="1181437" y="5486399"/>
-            <a:ext cx="2427611" cy="540078"/>
+            <a:off x="9294355" y="2535255"/>
+            <a:ext cx="1561763" cy="261610"/>
           </a:xfrm>
-          <a:prstGeom prst="roundRect">
+          <a:prstGeom prst="rect">
             <a:avLst/>
           </a:prstGeom>
+          <a:noFill/>
         </p:spPr>
-        <p:style>
-          <a:lnRef idx="2">
-            <a:schemeClr val="accent1">
-              <a:shade val="50000"/>
-            </a:schemeClr>
-          </a:lnRef>
-          <a:fillRef idx="1">
-            <a:schemeClr val="accent1"/>
-          </a:fillRef>
-          <a:effectRef idx="0">
-            <a:schemeClr val="accent1"/>
-          </a:effectRef>
-          <a:fontRef idx="minor">
-            <a:schemeClr val="lt1"/>
-          </a:fontRef>
-        </p:style>
-        <p:txBody>
-          <a:bodyPr rtlCol="0" anchor="ctr"/>
-          <a:lstStyle/>
-          <a:p>
-            <a:pPr algn="ctr"/>
-            <a:r>
-              <a:rPr lang="en-US" dirty="0"/>
-              <a:t>Filters</a:t>
-            </a:r>
-          </a:p>
-        </p:txBody>
-      </p:sp>
-      <p:sp>
-        <p:nvSpPr>
-          <p:cNvPr id="9" name="Rounded Rectangle 8">
-            <a:extLst>
-              <a:ext uri="{FF2B5EF4-FFF2-40B4-BE49-F238E27FC236}">
-                <a16:creationId xmlns:a16="http://schemas.microsoft.com/office/drawing/2014/main" id="{8A8613F2-7793-E567-4A29-A853E4AE6016}"/>
-              </a:ext>
-            </a:extLst>
-          </p:cNvPr>
-          <p:cNvSpPr/>
-          <p:nvPr/>
-        </p:nvSpPr>
-        <p:spPr>
-          <a:xfrm>
-            <a:off x="1181436" y="4410159"/>
-            <a:ext cx="2427611" cy="962953"/>
-          </a:xfrm>
-          <a:prstGeom prst="roundRect">
-            <a:avLst/>
-          </a:prstGeom>
-        </p:spPr>
-        <p:style>
-          <a:lnRef idx="2">
-            <a:schemeClr val="accent1">
-              <a:shade val="50000"/>
-            </a:schemeClr>
-          </a:lnRef>
-          <a:fillRef idx="1">
-            <a:schemeClr val="accent1"/>
-          </a:fillRef>
-          <a:effectRef idx="0">
-            <a:schemeClr val="accent1"/>
-          </a:effectRef>
-          <a:fontRef idx="minor">
-            <a:schemeClr val="lt1"/>
-          </a:fontRef>
-        </p:style>
-        <p:txBody>
-          <a:bodyPr rtlCol="0" anchor="ctr"/>
-          <a:lstStyle/>
-          <a:p>
-            <a:pPr algn="ctr"/>
-            <a:r>
-              <a:rPr lang="en-US" dirty="0"/>
-              <a:t>Pie Charts</a:t>
-            </a:r>
-          </a:p>
-        </p:txBody>
-      </p:sp>
-      <p:sp>
-        <p:nvSpPr>
-          <p:cNvPr id="10" name="Rounded Rectangle 9">
-            <a:extLst>
-              <a:ext uri="{FF2B5EF4-FFF2-40B4-BE49-F238E27FC236}">
-                <a16:creationId xmlns:a16="http://schemas.microsoft.com/office/drawing/2014/main" id="{0688CBB6-8842-DCDD-524E-9D861F19108B}"/>
-              </a:ext>
-            </a:extLst>
-          </p:cNvPr>
-          <p:cNvSpPr/>
-          <p:nvPr/>
-        </p:nvSpPr>
-        <p:spPr>
-          <a:xfrm>
-            <a:off x="4082431" y="2743200"/>
-            <a:ext cx="3783027" cy="1549624"/>
-          </a:xfrm>
-          <a:prstGeom prst="roundRect">
-            <a:avLst/>
-          </a:prstGeom>
-        </p:spPr>
-        <p:style>
-          <a:lnRef idx="2">
-            <a:schemeClr val="accent1">
-              <a:shade val="50000"/>
-            </a:schemeClr>
-          </a:lnRef>
-          <a:fillRef idx="1">
-            <a:schemeClr val="accent1"/>
-          </a:fillRef>
-          <a:effectRef idx="0">
-            <a:schemeClr val="accent1"/>
-          </a:effectRef>
-          <a:fontRef idx="minor">
-            <a:schemeClr val="lt1"/>
-          </a:fontRef>
-        </p:style>
-        <p:txBody>
-          <a:bodyPr rtlCol="0" anchor="ctr"/>
-          <a:lstStyle/>
-          <a:p>
-            <a:pPr algn="ctr"/>
-            <a:r>
-              <a:rPr lang="en-US" dirty="0"/>
-              <a:t>Line Graph – Crimes Over Time</a:t>
-            </a:r>
-          </a:p>
-        </p:txBody>
-      </p:sp>
-      <p:sp>
-        <p:nvSpPr>
-          <p:cNvPr id="11" name="Rounded Rectangle 10">
-            <a:extLst>
-              <a:ext uri="{FF2B5EF4-FFF2-40B4-BE49-F238E27FC236}">
-                <a16:creationId xmlns:a16="http://schemas.microsoft.com/office/drawing/2014/main" id="{DE3C3F46-BCE8-27F7-C1A2-B7C094FB0CBB}"/>
-              </a:ext>
-            </a:extLst>
-          </p:cNvPr>
-          <p:cNvSpPr/>
-          <p:nvPr/>
-        </p:nvSpPr>
-        <p:spPr>
-          <a:xfrm>
-            <a:off x="4082431" y="4476853"/>
-            <a:ext cx="3783027" cy="1549624"/>
-          </a:xfrm>
-          <a:prstGeom prst="roundRect">
-            <a:avLst/>
-          </a:prstGeom>
-        </p:spPr>
-        <p:style>
-          <a:lnRef idx="2">
-            <a:schemeClr val="accent1">
-              <a:shade val="50000"/>
-            </a:schemeClr>
-          </a:lnRef>
-          <a:fillRef idx="1">
-            <a:schemeClr val="accent1"/>
-          </a:fillRef>
-          <a:effectRef idx="0">
-            <a:schemeClr val="accent1"/>
-          </a:effectRef>
-          <a:fontRef idx="minor">
-            <a:schemeClr val="lt1"/>
-          </a:fontRef>
-        </p:style>
-        <p:txBody>
-          <a:bodyPr rtlCol="0" anchor="ctr"/>
-          <a:lstStyle/>
-          <a:p>
-            <a:pPr algn="ctr"/>
-            <a:r>
-              <a:rPr lang="en-US" dirty="0"/>
-              <a:t>Map/Heatmap</a:t>
+        <p:txBody>
+          <a:bodyPr wrap="square" rtlCol="0">
+            <a:spAutoFit/>
+          </a:bodyPr>
+          <a:lstStyle/>
+          <a:p>
+            <a:r>
+              <a:rPr lang="en-US" sz="1100" dirty="0">
+                <a:solidFill>
+                  <a:schemeClr val="bg1"/>
+                </a:solidFill>
+              </a:rPr>
+              <a:t>Date Range of Dataset</a:t>
             </a:r>
           </a:p>
         </p:txBody>
@@ -5422,6 +6193,98 @@
     <p:extLst>
       <p:ext uri="{BB962C8B-B14F-4D97-AF65-F5344CB8AC3E}">
         <p14:creationId xmlns:p14="http://schemas.microsoft.com/office/powerpoint/2010/main" val="85101677"/>
+      </p:ext>
+    </p:extLst>
+  </p:cSld>
+  <p:clrMapOvr>
+    <a:masterClrMapping/>
+  </p:clrMapOvr>
+</p:sld>
+</file>
+
+<file path=ppt/slides/slide7.xml><?xml version="1.0" encoding="utf-8"?>
+<p:sld xmlns:a="http://schemas.openxmlformats.org/drawingml/2006/main" xmlns:r="http://schemas.openxmlformats.org/officeDocument/2006/relationships" xmlns:p="http://schemas.openxmlformats.org/presentationml/2006/main">
+  <p:cSld>
+    <p:spTree>
+      <p:nvGrpSpPr>
+        <p:cNvPr id="1" name=""/>
+        <p:cNvGrpSpPr/>
+        <p:nvPr/>
+      </p:nvGrpSpPr>
+      <p:grpSpPr>
+        <a:xfrm>
+          <a:off x="0" y="0"/>
+          <a:ext cx="0" cy="0"/>
+          <a:chOff x="0" y="0"/>
+          <a:chExt cx="0" cy="0"/>
+        </a:xfrm>
+      </p:grpSpPr>
+      <p:sp>
+        <p:nvSpPr>
+          <p:cNvPr id="2" name="Title 1">
+            <a:extLst>
+              <a:ext uri="{FF2B5EF4-FFF2-40B4-BE49-F238E27FC236}">
+                <a16:creationId xmlns:a16="http://schemas.microsoft.com/office/drawing/2014/main" id="{CF89821C-E13C-2E38-ADC0-288413C30A2E}"/>
+              </a:ext>
+            </a:extLst>
+          </p:cNvPr>
+          <p:cNvSpPr>
+            <a:spLocks noGrp="1"/>
+          </p:cNvSpPr>
+          <p:nvPr>
+            <p:ph type="title"/>
+          </p:nvPr>
+        </p:nvSpPr>
+        <p:spPr/>
+        <p:txBody>
+          <a:bodyPr/>
+          <a:lstStyle/>
+          <a:p>
+            <a:r>
+              <a:rPr lang="en-US" dirty="0"/>
+              <a:t>Insights/Goals</a:t>
+            </a:r>
+          </a:p>
+        </p:txBody>
+      </p:sp>
+      <p:sp>
+        <p:nvSpPr>
+          <p:cNvPr id="3" name="Content Placeholder 2">
+            <a:extLst>
+              <a:ext uri="{FF2B5EF4-FFF2-40B4-BE49-F238E27FC236}">
+                <a16:creationId xmlns:a16="http://schemas.microsoft.com/office/drawing/2014/main" id="{FA6194EC-6CBA-21D8-D36E-A18210577467}"/>
+              </a:ext>
+            </a:extLst>
+          </p:cNvPr>
+          <p:cNvSpPr>
+            <a:spLocks noGrp="1"/>
+          </p:cNvSpPr>
+          <p:nvPr>
+            <p:ph idx="1"/>
+          </p:nvPr>
+        </p:nvSpPr>
+        <p:spPr/>
+        <p:txBody>
+          <a:bodyPr/>
+          <a:lstStyle/>
+          <a:p>
+            <a:r>
+              <a:rPr lang="en-US" dirty="0"/>
+              <a:t>Determine if there is an observable relationship between weather features and crime rates</a:t>
+            </a:r>
+          </a:p>
+          <a:p>
+            <a:r>
+              <a:rPr lang="en-US" dirty="0"/>
+              <a:t>View summary statistics on crime and weather in Toronto</a:t>
+            </a:r>
+          </a:p>
+        </p:txBody>
+      </p:sp>
+    </p:spTree>
+    <p:extLst>
+      <p:ext uri="{BB962C8B-B14F-4D97-AF65-F5344CB8AC3E}">
+        <p14:creationId xmlns:p14="http://schemas.microsoft.com/office/powerpoint/2010/main" val="1111542932"/>
       </p:ext>
     </p:extLst>
   </p:cSld>

--- a/Dashboard_Mockup.pptx
+++ b/Dashboard_Mockup.pptx
@@ -8,10 +8,8 @@
     <p:sldId id="256" r:id="rId2"/>
     <p:sldId id="257" r:id="rId3"/>
     <p:sldId id="258" r:id="rId4"/>
-    <p:sldId id="259" r:id="rId5"/>
-    <p:sldId id="260" r:id="rId6"/>
-    <p:sldId id="261" r:id="rId7"/>
-    <p:sldId id="262" r:id="rId8"/>
+    <p:sldId id="261" r:id="rId5"/>
+    <p:sldId id="262" r:id="rId6"/>
   </p:sldIdLst>
   <p:sldSz cx="12192000" cy="6858000"/>
   <p:notesSz cx="6858000" cy="9144000"/>
@@ -274,7 +272,7 @@
           <a:p>
             <a:fld id="{F07CD3FD-BE54-4400-942B-C6C15AA73DFD}" type="datetimeFigureOut">
               <a:rPr lang="en-US" smtClean="0"/>
-              <a:t>5/2/23</a:t>
+              <a:t>5/3/23</a:t>
             </a:fld>
             <a:endParaRPr lang="en-US"/>
           </a:p>
@@ -473,7 +471,7 @@
           <a:p>
             <a:fld id="{F07CD3FD-BE54-4400-942B-C6C15AA73DFD}" type="datetimeFigureOut">
               <a:rPr lang="en-US" smtClean="0"/>
-              <a:t>5/2/23</a:t>
+              <a:t>5/3/23</a:t>
             </a:fld>
             <a:endParaRPr lang="en-US"/>
           </a:p>
@@ -683,7 +681,7 @@
           <a:p>
             <a:fld id="{F07CD3FD-BE54-4400-942B-C6C15AA73DFD}" type="datetimeFigureOut">
               <a:rPr lang="en-US" smtClean="0"/>
-              <a:t>5/2/23</a:t>
+              <a:t>5/3/23</a:t>
             </a:fld>
             <a:endParaRPr lang="en-US"/>
           </a:p>
@@ -881,7 +879,7 @@
           <a:p>
             <a:fld id="{F07CD3FD-BE54-4400-942B-C6C15AA73DFD}" type="datetimeFigureOut">
               <a:rPr lang="en-US" smtClean="0"/>
-              <a:t>5/2/23</a:t>
+              <a:t>5/3/23</a:t>
             </a:fld>
             <a:endParaRPr lang="en-US"/>
           </a:p>
@@ -1161,7 +1159,7 @@
           <a:p>
             <a:fld id="{F07CD3FD-BE54-4400-942B-C6C15AA73DFD}" type="datetimeFigureOut">
               <a:rPr lang="en-US" smtClean="0"/>
-              <a:t>5/2/23</a:t>
+              <a:t>5/3/23</a:t>
             </a:fld>
             <a:endParaRPr lang="en-US"/>
           </a:p>
@@ -1428,7 +1426,7 @@
           <a:p>
             <a:fld id="{F07CD3FD-BE54-4400-942B-C6C15AA73DFD}" type="datetimeFigureOut">
               <a:rPr lang="en-US" smtClean="0"/>
-              <a:t>5/2/23</a:t>
+              <a:t>5/3/23</a:t>
             </a:fld>
             <a:endParaRPr lang="en-US"/>
           </a:p>
@@ -1846,7 +1844,7 @@
           <a:p>
             <a:fld id="{F07CD3FD-BE54-4400-942B-C6C15AA73DFD}" type="datetimeFigureOut">
               <a:rPr lang="en-US" smtClean="0"/>
-              <a:t>5/2/23</a:t>
+              <a:t>5/3/23</a:t>
             </a:fld>
             <a:endParaRPr lang="en-US"/>
           </a:p>
@@ -1988,7 +1986,7 @@
           <a:p>
             <a:fld id="{F07CD3FD-BE54-4400-942B-C6C15AA73DFD}" type="datetimeFigureOut">
               <a:rPr lang="en-US" smtClean="0"/>
-              <a:t>5/2/23</a:t>
+              <a:t>5/3/23</a:t>
             </a:fld>
             <a:endParaRPr lang="en-US"/>
           </a:p>
@@ -2101,7 +2099,7 @@
           <a:p>
             <a:fld id="{F07CD3FD-BE54-4400-942B-C6C15AA73DFD}" type="datetimeFigureOut">
               <a:rPr lang="en-US" smtClean="0"/>
-              <a:t>5/2/23</a:t>
+              <a:t>5/3/23</a:t>
             </a:fld>
             <a:endParaRPr lang="en-US"/>
           </a:p>
@@ -2416,7 +2414,7 @@
           <a:p>
             <a:fld id="{F07CD3FD-BE54-4400-942B-C6C15AA73DFD}" type="datetimeFigureOut">
               <a:rPr lang="en-US" smtClean="0"/>
-              <a:t>5/2/23</a:t>
+              <a:t>5/3/23</a:t>
             </a:fld>
             <a:endParaRPr lang="en-US"/>
           </a:p>
@@ -2708,7 +2706,7 @@
           <a:p>
             <a:fld id="{F07CD3FD-BE54-4400-942B-C6C15AA73DFD}" type="datetimeFigureOut">
               <a:rPr lang="en-US" smtClean="0"/>
-              <a:t>5/2/23</a:t>
+              <a:t>5/3/23</a:t>
             </a:fld>
             <a:endParaRPr lang="en-US"/>
           </a:p>
@@ -2947,7 +2945,7 @@
           <a:p>
             <a:fld id="{F07CD3FD-BE54-4400-942B-C6C15AA73DFD}" type="datetimeFigureOut">
               <a:rPr lang="en-US" smtClean="0"/>
-              <a:t>5/2/23</a:t>
+              <a:t>5/3/23</a:t>
             </a:fld>
             <a:endParaRPr lang="en-US"/>
           </a:p>
@@ -4060,1012 +4058,6 @@
       </p:grpSpPr>
       <p:sp>
         <p:nvSpPr>
-          <p:cNvPr id="2" name="Title 1">
-            <a:extLst>
-              <a:ext uri="{FF2B5EF4-FFF2-40B4-BE49-F238E27FC236}">
-                <a16:creationId xmlns:a16="http://schemas.microsoft.com/office/drawing/2014/main" id="{87951027-7B43-C9AE-3B9C-5F1C7346C299}"/>
-              </a:ext>
-            </a:extLst>
-          </p:cNvPr>
-          <p:cNvSpPr>
-            <a:spLocks noGrp="1"/>
-          </p:cNvSpPr>
-          <p:nvPr>
-            <p:ph type="title"/>
-          </p:nvPr>
-        </p:nvSpPr>
-        <p:spPr/>
-        <p:txBody>
-          <a:bodyPr/>
-          <a:lstStyle/>
-          <a:p>
-            <a:r>
-              <a:rPr lang="en-US" dirty="0"/>
-              <a:t>List of Visuals - *for review*</a:t>
-            </a:r>
-          </a:p>
-        </p:txBody>
-      </p:sp>
-      <p:graphicFrame>
-        <p:nvGraphicFramePr>
-          <p:cNvPr id="4" name="Table 4">
-            <a:extLst>
-              <a:ext uri="{FF2B5EF4-FFF2-40B4-BE49-F238E27FC236}">
-                <a16:creationId xmlns:a16="http://schemas.microsoft.com/office/drawing/2014/main" id="{388B73CB-ECE9-6BF0-E602-27A42220A51A}"/>
-              </a:ext>
-            </a:extLst>
-          </p:cNvPr>
-          <p:cNvGraphicFramePr>
-            <a:graphicFrameLocks noGrp="1"/>
-          </p:cNvGraphicFramePr>
-          <p:nvPr>
-            <p:extLst>
-              <p:ext uri="{D42A27DB-BD31-4B8C-83A1-F6EECF244321}">
-                <p14:modId xmlns:p14="http://schemas.microsoft.com/office/powerpoint/2010/main" val="921892348"/>
-              </p:ext>
-            </p:extLst>
-          </p:nvPr>
-        </p:nvGraphicFramePr>
-        <p:xfrm>
-          <a:off x="1570305" y="2103929"/>
-          <a:ext cx="9051390" cy="3933520"/>
-        </p:xfrm>
-        <a:graphic>
-          <a:graphicData uri="http://schemas.openxmlformats.org/drawingml/2006/table">
-            <a:tbl>
-              <a:tblPr firstRow="1" bandRow="1">
-                <a:tableStyleId>{5C22544A-7EE6-4342-B048-85BDC9FD1C3A}</a:tableStyleId>
-              </a:tblPr>
-              <a:tblGrid>
-                <a:gridCol w="3017130">
-                  <a:extLst>
-                    <a:ext uri="{9D8B030D-6E8A-4147-A177-3AD203B41FA5}">
-                      <a16:colId xmlns:a16="http://schemas.microsoft.com/office/drawing/2014/main" val="475194891"/>
-                    </a:ext>
-                  </a:extLst>
-                </a:gridCol>
-                <a:gridCol w="3017130">
-                  <a:extLst>
-                    <a:ext uri="{9D8B030D-6E8A-4147-A177-3AD203B41FA5}">
-                      <a16:colId xmlns:a16="http://schemas.microsoft.com/office/drawing/2014/main" val="852249217"/>
-                    </a:ext>
-                  </a:extLst>
-                </a:gridCol>
-                <a:gridCol w="3017130">
-                  <a:extLst>
-                    <a:ext uri="{9D8B030D-6E8A-4147-A177-3AD203B41FA5}">
-                      <a16:colId xmlns:a16="http://schemas.microsoft.com/office/drawing/2014/main" val="2710925131"/>
-                    </a:ext>
-                  </a:extLst>
-                </a:gridCol>
-              </a:tblGrid>
-              <a:tr h="428320">
-                <a:tc>
-                  <a:txBody>
-                    <a:bodyPr/>
-                    <a:lstStyle/>
-                    <a:p>
-                      <a:r>
-                        <a:rPr lang="en-US" dirty="0"/>
-                        <a:t>Visual Name</a:t>
-                      </a:r>
-                    </a:p>
-                  </a:txBody>
-                  <a:tcPr/>
-                </a:tc>
-                <a:tc>
-                  <a:txBody>
-                    <a:bodyPr/>
-                    <a:lstStyle/>
-                    <a:p>
-                      <a:r>
-                        <a:rPr lang="en-US" dirty="0"/>
-                        <a:t>Visual Type</a:t>
-                      </a:r>
-                    </a:p>
-                  </a:txBody>
-                  <a:tcPr/>
-                </a:tc>
-                <a:tc>
-                  <a:txBody>
-                    <a:bodyPr/>
-                    <a:lstStyle/>
-                    <a:p>
-                      <a:r>
-                        <a:rPr lang="en-US" dirty="0"/>
-                        <a:t>Tooltips</a:t>
-                      </a:r>
-                    </a:p>
-                  </a:txBody>
-                  <a:tcPr/>
-                </a:tc>
-                <a:extLst>
-                  <a:ext uri="{0D108BD9-81ED-4DB2-BD59-A6C34878D82A}">
-                    <a16:rowId xmlns:a16="http://schemas.microsoft.com/office/drawing/2014/main" val="3008732663"/>
-                  </a:ext>
-                </a:extLst>
-              </a:tr>
-              <a:tr h="370840">
-                <a:tc>
-                  <a:txBody>
-                    <a:bodyPr/>
-                    <a:lstStyle/>
-                    <a:p>
-                      <a:r>
-                        <a:rPr lang="en-US" dirty="0" err="1"/>
-                        <a:t>Nbr</a:t>
-                      </a:r>
-                      <a:r>
-                        <a:rPr lang="en-US" dirty="0"/>
-                        <a:t> of total crimes</a:t>
-                      </a:r>
-                    </a:p>
-                  </a:txBody>
-                  <a:tcPr/>
-                </a:tc>
-                <a:tc>
-                  <a:txBody>
-                    <a:bodyPr/>
-                    <a:lstStyle/>
-                    <a:p>
-                      <a:r>
-                        <a:rPr lang="en-US" dirty="0"/>
-                        <a:t>KPI</a:t>
-                      </a:r>
-                    </a:p>
-                  </a:txBody>
-                  <a:tcPr/>
-                </a:tc>
-                <a:tc>
-                  <a:txBody>
-                    <a:bodyPr/>
-                    <a:lstStyle/>
-                    <a:p>
-                      <a:endParaRPr lang="en-US"/>
-                    </a:p>
-                  </a:txBody>
-                  <a:tcPr/>
-                </a:tc>
-                <a:extLst>
-                  <a:ext uri="{0D108BD9-81ED-4DB2-BD59-A6C34878D82A}">
-                    <a16:rowId xmlns:a16="http://schemas.microsoft.com/office/drawing/2014/main" val="3380278732"/>
-                  </a:ext>
-                </a:extLst>
-              </a:tr>
-              <a:tr h="370840">
-                <a:tc>
-                  <a:txBody>
-                    <a:bodyPr/>
-                    <a:lstStyle/>
-                    <a:p>
-                      <a:r>
-                        <a:rPr lang="en-US" dirty="0"/>
-                        <a:t>Total </a:t>
-                      </a:r>
-                      <a:r>
-                        <a:rPr lang="en-US" dirty="0" err="1"/>
-                        <a:t>nbr</a:t>
-                      </a:r>
-                      <a:r>
-                        <a:rPr lang="en-US" dirty="0"/>
-                        <a:t> of crimes by offence type</a:t>
-                      </a:r>
-                    </a:p>
-                  </a:txBody>
-                  <a:tcPr/>
-                </a:tc>
-                <a:tc>
-                  <a:txBody>
-                    <a:bodyPr/>
-                    <a:lstStyle/>
-                    <a:p>
-                      <a:r>
-                        <a:rPr lang="en-US" dirty="0"/>
-                        <a:t>Pie Chart</a:t>
-                      </a:r>
-                    </a:p>
-                  </a:txBody>
-                  <a:tcPr/>
-                </a:tc>
-                <a:tc>
-                  <a:txBody>
-                    <a:bodyPr/>
-                    <a:lstStyle/>
-                    <a:p>
-                      <a:endParaRPr lang="en-US"/>
-                    </a:p>
-                  </a:txBody>
-                  <a:tcPr/>
-                </a:tc>
-                <a:extLst>
-                  <a:ext uri="{0D108BD9-81ED-4DB2-BD59-A6C34878D82A}">
-                    <a16:rowId xmlns:a16="http://schemas.microsoft.com/office/drawing/2014/main" val="765213376"/>
-                  </a:ext>
-                </a:extLst>
-              </a:tr>
-              <a:tr h="370840">
-                <a:tc>
-                  <a:txBody>
-                    <a:bodyPr/>
-                    <a:lstStyle/>
-                    <a:p>
-                      <a:r>
-                        <a:rPr lang="en-US" dirty="0"/>
-                        <a:t>Offence type</a:t>
-                      </a:r>
-                    </a:p>
-                  </a:txBody>
-                  <a:tcPr/>
-                </a:tc>
-                <a:tc>
-                  <a:txBody>
-                    <a:bodyPr/>
-                    <a:lstStyle/>
-                    <a:p>
-                      <a:r>
-                        <a:rPr lang="en-US" dirty="0"/>
-                        <a:t>Filter</a:t>
-                      </a:r>
-                    </a:p>
-                  </a:txBody>
-                  <a:tcPr/>
-                </a:tc>
-                <a:tc>
-                  <a:txBody>
-                    <a:bodyPr/>
-                    <a:lstStyle/>
-                    <a:p>
-                      <a:endParaRPr lang="en-US" dirty="0"/>
-                    </a:p>
-                  </a:txBody>
-                  <a:tcPr/>
-                </a:tc>
-                <a:extLst>
-                  <a:ext uri="{0D108BD9-81ED-4DB2-BD59-A6C34878D82A}">
-                    <a16:rowId xmlns:a16="http://schemas.microsoft.com/office/drawing/2014/main" val="2167530938"/>
-                  </a:ext>
-                </a:extLst>
-              </a:tr>
-              <a:tr h="370840">
-                <a:tc>
-                  <a:txBody>
-                    <a:bodyPr/>
-                    <a:lstStyle/>
-                    <a:p>
-                      <a:r>
-                        <a:rPr lang="en-US" dirty="0"/>
-                        <a:t>Neighborhood</a:t>
-                      </a:r>
-                    </a:p>
-                  </a:txBody>
-                  <a:tcPr/>
-                </a:tc>
-                <a:tc>
-                  <a:txBody>
-                    <a:bodyPr/>
-                    <a:lstStyle/>
-                    <a:p>
-                      <a:r>
-                        <a:rPr lang="en-US" dirty="0"/>
-                        <a:t>Filter</a:t>
-                      </a:r>
-                    </a:p>
-                  </a:txBody>
-                  <a:tcPr/>
-                </a:tc>
-                <a:tc>
-                  <a:txBody>
-                    <a:bodyPr/>
-                    <a:lstStyle/>
-                    <a:p>
-                      <a:endParaRPr lang="en-US" dirty="0"/>
-                    </a:p>
-                  </a:txBody>
-                  <a:tcPr/>
-                </a:tc>
-                <a:extLst>
-                  <a:ext uri="{0D108BD9-81ED-4DB2-BD59-A6C34878D82A}">
-                    <a16:rowId xmlns:a16="http://schemas.microsoft.com/office/drawing/2014/main" val="1974964964"/>
-                  </a:ext>
-                </a:extLst>
-              </a:tr>
-              <a:tr h="370840">
-                <a:tc>
-                  <a:txBody>
-                    <a:bodyPr/>
-                    <a:lstStyle/>
-                    <a:p>
-                      <a:r>
-                        <a:rPr lang="en-US" dirty="0"/>
-                        <a:t>Date Range</a:t>
-                      </a:r>
-                    </a:p>
-                  </a:txBody>
-                  <a:tcPr/>
-                </a:tc>
-                <a:tc>
-                  <a:txBody>
-                    <a:bodyPr/>
-                    <a:lstStyle/>
-                    <a:p>
-                      <a:r>
-                        <a:rPr lang="en-US" dirty="0"/>
-                        <a:t>Filter</a:t>
-                      </a:r>
-                    </a:p>
-                  </a:txBody>
-                  <a:tcPr/>
-                </a:tc>
-                <a:tc>
-                  <a:txBody>
-                    <a:bodyPr/>
-                    <a:lstStyle/>
-                    <a:p>
-                      <a:endParaRPr lang="en-US" dirty="0"/>
-                    </a:p>
-                  </a:txBody>
-                  <a:tcPr/>
-                </a:tc>
-                <a:extLst>
-                  <a:ext uri="{0D108BD9-81ED-4DB2-BD59-A6C34878D82A}">
-                    <a16:rowId xmlns:a16="http://schemas.microsoft.com/office/drawing/2014/main" val="1726255890"/>
-                  </a:ext>
-                </a:extLst>
-              </a:tr>
-              <a:tr h="370840">
-                <a:tc>
-                  <a:txBody>
-                    <a:bodyPr/>
-                    <a:lstStyle/>
-                    <a:p>
-                      <a:r>
-                        <a:rPr lang="en-US" dirty="0"/>
-                        <a:t>Avg temperature in Toronto</a:t>
-                      </a:r>
-                    </a:p>
-                  </a:txBody>
-                  <a:tcPr/>
-                </a:tc>
-                <a:tc>
-                  <a:txBody>
-                    <a:bodyPr/>
-                    <a:lstStyle/>
-                    <a:p>
-                      <a:r>
-                        <a:rPr lang="en-US" dirty="0"/>
-                        <a:t>KPI</a:t>
-                      </a:r>
-                    </a:p>
-                  </a:txBody>
-                  <a:tcPr/>
-                </a:tc>
-                <a:tc>
-                  <a:txBody>
-                    <a:bodyPr/>
-                    <a:lstStyle/>
-                    <a:p>
-                      <a:endParaRPr lang="en-US" dirty="0"/>
-                    </a:p>
-                  </a:txBody>
-                  <a:tcPr/>
-                </a:tc>
-                <a:extLst>
-                  <a:ext uri="{0D108BD9-81ED-4DB2-BD59-A6C34878D82A}">
-                    <a16:rowId xmlns:a16="http://schemas.microsoft.com/office/drawing/2014/main" val="3257733450"/>
-                  </a:ext>
-                </a:extLst>
-              </a:tr>
-              <a:tr h="370840">
-                <a:tc>
-                  <a:txBody>
-                    <a:bodyPr/>
-                    <a:lstStyle/>
-                    <a:p>
-                      <a:r>
-                        <a:rPr lang="en-US" dirty="0" err="1"/>
-                        <a:t>Nbr</a:t>
-                      </a:r>
-                      <a:r>
-                        <a:rPr lang="en-US" dirty="0"/>
-                        <a:t> of crimes over time</a:t>
-                      </a:r>
-                    </a:p>
-                  </a:txBody>
-                  <a:tcPr/>
-                </a:tc>
-                <a:tc>
-                  <a:txBody>
-                    <a:bodyPr/>
-                    <a:lstStyle/>
-                    <a:p>
-                      <a:r>
-                        <a:rPr lang="en-US" dirty="0"/>
-                        <a:t>Line graph</a:t>
-                      </a:r>
-                    </a:p>
-                  </a:txBody>
-                  <a:tcPr/>
-                </a:tc>
-                <a:tc>
-                  <a:txBody>
-                    <a:bodyPr/>
-                    <a:lstStyle/>
-                    <a:p>
-                      <a:endParaRPr lang="en-US" dirty="0"/>
-                    </a:p>
-                  </a:txBody>
-                  <a:tcPr/>
-                </a:tc>
-                <a:extLst>
-                  <a:ext uri="{0D108BD9-81ED-4DB2-BD59-A6C34878D82A}">
-                    <a16:rowId xmlns:a16="http://schemas.microsoft.com/office/drawing/2014/main" val="102125966"/>
-                  </a:ext>
-                </a:extLst>
-              </a:tr>
-              <a:tr h="370840">
-                <a:tc>
-                  <a:txBody>
-                    <a:bodyPr/>
-                    <a:lstStyle/>
-                    <a:p>
-                      <a:r>
-                        <a:rPr lang="en-US" dirty="0"/>
-                        <a:t>Location of crimes in Toronto</a:t>
-                      </a:r>
-                    </a:p>
-                  </a:txBody>
-                  <a:tcPr/>
-                </a:tc>
-                <a:tc>
-                  <a:txBody>
-                    <a:bodyPr/>
-                    <a:lstStyle/>
-                    <a:p>
-                      <a:r>
-                        <a:rPr lang="en-US" dirty="0"/>
-                        <a:t>Map/heatmap?</a:t>
-                      </a:r>
-                    </a:p>
-                  </a:txBody>
-                  <a:tcPr/>
-                </a:tc>
-                <a:tc>
-                  <a:txBody>
-                    <a:bodyPr/>
-                    <a:lstStyle/>
-                    <a:p>
-                      <a:endParaRPr lang="en-US" dirty="0"/>
-                    </a:p>
-                  </a:txBody>
-                  <a:tcPr/>
-                </a:tc>
-                <a:extLst>
-                  <a:ext uri="{0D108BD9-81ED-4DB2-BD59-A6C34878D82A}">
-                    <a16:rowId xmlns:a16="http://schemas.microsoft.com/office/drawing/2014/main" val="3667334949"/>
-                  </a:ext>
-                </a:extLst>
-              </a:tr>
-            </a:tbl>
-          </a:graphicData>
-        </a:graphic>
-      </p:graphicFrame>
-    </p:spTree>
-    <p:extLst>
-      <p:ext uri="{BB962C8B-B14F-4D97-AF65-F5344CB8AC3E}">
-        <p14:creationId xmlns:p14="http://schemas.microsoft.com/office/powerpoint/2010/main" val="3993197681"/>
-      </p:ext>
-    </p:extLst>
-  </p:cSld>
-  <p:clrMapOvr>
-    <a:masterClrMapping/>
-  </p:clrMapOvr>
-</p:sld>
-</file>
-
-<file path=ppt/slides/slide5.xml><?xml version="1.0" encoding="utf-8"?>
-<p:sld xmlns:a="http://schemas.openxmlformats.org/drawingml/2006/main" xmlns:r="http://schemas.openxmlformats.org/officeDocument/2006/relationships" xmlns:p="http://schemas.openxmlformats.org/presentationml/2006/main">
-  <p:cSld>
-    <p:spTree>
-      <p:nvGrpSpPr>
-        <p:cNvPr id="1" name=""/>
-        <p:cNvGrpSpPr/>
-        <p:nvPr/>
-      </p:nvGrpSpPr>
-      <p:grpSpPr>
-        <a:xfrm>
-          <a:off x="0" y="0"/>
-          <a:ext cx="0" cy="0"/>
-          <a:chOff x="0" y="0"/>
-          <a:chExt cx="0" cy="0"/>
-        </a:xfrm>
-      </p:grpSpPr>
-      <p:sp>
-        <p:nvSpPr>
-          <p:cNvPr id="2" name="Title 1">
-            <a:extLst>
-              <a:ext uri="{FF2B5EF4-FFF2-40B4-BE49-F238E27FC236}">
-                <a16:creationId xmlns:a16="http://schemas.microsoft.com/office/drawing/2014/main" id="{87951027-7B43-C9AE-3B9C-5F1C7346C299}"/>
-              </a:ext>
-            </a:extLst>
-          </p:cNvPr>
-          <p:cNvSpPr>
-            <a:spLocks noGrp="1"/>
-          </p:cNvSpPr>
-          <p:nvPr>
-            <p:ph type="title"/>
-          </p:nvPr>
-        </p:nvSpPr>
-        <p:spPr/>
-        <p:txBody>
-          <a:bodyPr/>
-          <a:lstStyle/>
-          <a:p>
-            <a:r>
-              <a:rPr lang="en-US" dirty="0"/>
-              <a:t>List of Visuals - *for review*</a:t>
-            </a:r>
-          </a:p>
-        </p:txBody>
-      </p:sp>
-      <p:graphicFrame>
-        <p:nvGraphicFramePr>
-          <p:cNvPr id="4" name="Table 4">
-            <a:extLst>
-              <a:ext uri="{FF2B5EF4-FFF2-40B4-BE49-F238E27FC236}">
-                <a16:creationId xmlns:a16="http://schemas.microsoft.com/office/drawing/2014/main" id="{388B73CB-ECE9-6BF0-E602-27A42220A51A}"/>
-              </a:ext>
-            </a:extLst>
-          </p:cNvPr>
-          <p:cNvGraphicFramePr>
-            <a:graphicFrameLocks noGrp="1"/>
-          </p:cNvGraphicFramePr>
-          <p:nvPr>
-            <p:extLst>
-              <p:ext uri="{D42A27DB-BD31-4B8C-83A1-F6EECF244321}">
-                <p14:modId xmlns:p14="http://schemas.microsoft.com/office/powerpoint/2010/main" val="1592691477"/>
-              </p:ext>
-            </p:extLst>
-          </p:nvPr>
-        </p:nvGraphicFramePr>
-        <p:xfrm>
-          <a:off x="1570305" y="2103929"/>
-          <a:ext cx="9051390" cy="3933520"/>
-        </p:xfrm>
-        <a:graphic>
-          <a:graphicData uri="http://schemas.openxmlformats.org/drawingml/2006/table">
-            <a:tbl>
-              <a:tblPr firstRow="1" bandRow="1">
-                <a:tableStyleId>{5C22544A-7EE6-4342-B048-85BDC9FD1C3A}</a:tableStyleId>
-              </a:tblPr>
-              <a:tblGrid>
-                <a:gridCol w="3017130">
-                  <a:extLst>
-                    <a:ext uri="{9D8B030D-6E8A-4147-A177-3AD203B41FA5}">
-                      <a16:colId xmlns:a16="http://schemas.microsoft.com/office/drawing/2014/main" val="475194891"/>
-                    </a:ext>
-                  </a:extLst>
-                </a:gridCol>
-                <a:gridCol w="3017130">
-                  <a:extLst>
-                    <a:ext uri="{9D8B030D-6E8A-4147-A177-3AD203B41FA5}">
-                      <a16:colId xmlns:a16="http://schemas.microsoft.com/office/drawing/2014/main" val="852249217"/>
-                    </a:ext>
-                  </a:extLst>
-                </a:gridCol>
-                <a:gridCol w="3017130">
-                  <a:extLst>
-                    <a:ext uri="{9D8B030D-6E8A-4147-A177-3AD203B41FA5}">
-                      <a16:colId xmlns:a16="http://schemas.microsoft.com/office/drawing/2014/main" val="2710925131"/>
-                    </a:ext>
-                  </a:extLst>
-                </a:gridCol>
-              </a:tblGrid>
-              <a:tr h="428320">
-                <a:tc>
-                  <a:txBody>
-                    <a:bodyPr/>
-                    <a:lstStyle/>
-                    <a:p>
-                      <a:r>
-                        <a:rPr lang="en-US" dirty="0"/>
-                        <a:t>Visual Name</a:t>
-                      </a:r>
-                    </a:p>
-                  </a:txBody>
-                  <a:tcPr/>
-                </a:tc>
-                <a:tc>
-                  <a:txBody>
-                    <a:bodyPr/>
-                    <a:lstStyle/>
-                    <a:p>
-                      <a:r>
-                        <a:rPr lang="en-US" dirty="0"/>
-                        <a:t>Visual Type</a:t>
-                      </a:r>
-                    </a:p>
-                  </a:txBody>
-                  <a:tcPr/>
-                </a:tc>
-                <a:tc>
-                  <a:txBody>
-                    <a:bodyPr/>
-                    <a:lstStyle/>
-                    <a:p>
-                      <a:r>
-                        <a:rPr lang="en-US" dirty="0"/>
-                        <a:t>Tooltips</a:t>
-                      </a:r>
-                    </a:p>
-                  </a:txBody>
-                  <a:tcPr/>
-                </a:tc>
-                <a:extLst>
-                  <a:ext uri="{0D108BD9-81ED-4DB2-BD59-A6C34878D82A}">
-                    <a16:rowId xmlns:a16="http://schemas.microsoft.com/office/drawing/2014/main" val="3008732663"/>
-                  </a:ext>
-                </a:extLst>
-              </a:tr>
-              <a:tr h="370840">
-                <a:tc>
-                  <a:txBody>
-                    <a:bodyPr/>
-                    <a:lstStyle/>
-                    <a:p>
-                      <a:r>
-                        <a:rPr lang="en-US" dirty="0"/>
-                        <a:t>Total </a:t>
-                      </a:r>
-                      <a:r>
-                        <a:rPr lang="en-US" dirty="0" err="1"/>
-                        <a:t>nbr</a:t>
-                      </a:r>
-                      <a:r>
-                        <a:rPr lang="en-US" dirty="0"/>
-                        <a:t> of crimes by location type</a:t>
-                      </a:r>
-                    </a:p>
-                  </a:txBody>
-                  <a:tcPr/>
-                </a:tc>
-                <a:tc>
-                  <a:txBody>
-                    <a:bodyPr/>
-                    <a:lstStyle/>
-                    <a:p>
-                      <a:r>
-                        <a:rPr lang="en-US" dirty="0"/>
-                        <a:t>Pie chart</a:t>
-                      </a:r>
-                    </a:p>
-                  </a:txBody>
-                  <a:tcPr/>
-                </a:tc>
-                <a:tc>
-                  <a:txBody>
-                    <a:bodyPr/>
-                    <a:lstStyle/>
-                    <a:p>
-                      <a:endParaRPr lang="en-US"/>
-                    </a:p>
-                  </a:txBody>
-                  <a:tcPr/>
-                </a:tc>
-                <a:extLst>
-                  <a:ext uri="{0D108BD9-81ED-4DB2-BD59-A6C34878D82A}">
-                    <a16:rowId xmlns:a16="http://schemas.microsoft.com/office/drawing/2014/main" val="3380278732"/>
-                  </a:ext>
-                </a:extLst>
-              </a:tr>
-              <a:tr h="370840">
-                <a:tc>
-                  <a:txBody>
-                    <a:bodyPr/>
-                    <a:lstStyle/>
-                    <a:p>
-                      <a:r>
-                        <a:rPr lang="en-US" dirty="0"/>
-                        <a:t>Total </a:t>
-                      </a:r>
-                      <a:r>
-                        <a:rPr lang="en-US" dirty="0" err="1"/>
-                        <a:t>nbr</a:t>
-                      </a:r>
-                      <a:r>
-                        <a:rPr lang="en-US" dirty="0"/>
-                        <a:t> of crimes by premise type</a:t>
-                      </a:r>
-                    </a:p>
-                  </a:txBody>
-                  <a:tcPr/>
-                </a:tc>
-                <a:tc>
-                  <a:txBody>
-                    <a:bodyPr/>
-                    <a:lstStyle/>
-                    <a:p>
-                      <a:r>
-                        <a:rPr lang="en-US" dirty="0"/>
-                        <a:t>Pie chart</a:t>
-                      </a:r>
-                    </a:p>
-                  </a:txBody>
-                  <a:tcPr/>
-                </a:tc>
-                <a:tc>
-                  <a:txBody>
-                    <a:bodyPr/>
-                    <a:lstStyle/>
-                    <a:p>
-                      <a:endParaRPr lang="en-US"/>
-                    </a:p>
-                  </a:txBody>
-                  <a:tcPr/>
-                </a:tc>
-                <a:extLst>
-                  <a:ext uri="{0D108BD9-81ED-4DB2-BD59-A6C34878D82A}">
-                    <a16:rowId xmlns:a16="http://schemas.microsoft.com/office/drawing/2014/main" val="765213376"/>
-                  </a:ext>
-                </a:extLst>
-              </a:tr>
-              <a:tr h="370840">
-                <a:tc>
-                  <a:txBody>
-                    <a:bodyPr/>
-                    <a:lstStyle/>
-                    <a:p>
-                      <a:endParaRPr lang="en-US" dirty="0"/>
-                    </a:p>
-                  </a:txBody>
-                  <a:tcPr/>
-                </a:tc>
-                <a:tc>
-                  <a:txBody>
-                    <a:bodyPr/>
-                    <a:lstStyle/>
-                    <a:p>
-                      <a:endParaRPr lang="en-US" dirty="0"/>
-                    </a:p>
-                  </a:txBody>
-                  <a:tcPr/>
-                </a:tc>
-                <a:tc>
-                  <a:txBody>
-                    <a:bodyPr/>
-                    <a:lstStyle/>
-                    <a:p>
-                      <a:endParaRPr lang="en-US" dirty="0"/>
-                    </a:p>
-                  </a:txBody>
-                  <a:tcPr/>
-                </a:tc>
-                <a:extLst>
-                  <a:ext uri="{0D108BD9-81ED-4DB2-BD59-A6C34878D82A}">
-                    <a16:rowId xmlns:a16="http://schemas.microsoft.com/office/drawing/2014/main" val="2167530938"/>
-                  </a:ext>
-                </a:extLst>
-              </a:tr>
-              <a:tr h="370840">
-                <a:tc>
-                  <a:txBody>
-                    <a:bodyPr/>
-                    <a:lstStyle/>
-                    <a:p>
-                      <a:endParaRPr lang="en-US" dirty="0"/>
-                    </a:p>
-                  </a:txBody>
-                  <a:tcPr/>
-                </a:tc>
-                <a:tc>
-                  <a:txBody>
-                    <a:bodyPr/>
-                    <a:lstStyle/>
-                    <a:p>
-                      <a:endParaRPr lang="en-US" dirty="0"/>
-                    </a:p>
-                  </a:txBody>
-                  <a:tcPr/>
-                </a:tc>
-                <a:tc>
-                  <a:txBody>
-                    <a:bodyPr/>
-                    <a:lstStyle/>
-                    <a:p>
-                      <a:endParaRPr lang="en-US" dirty="0"/>
-                    </a:p>
-                  </a:txBody>
-                  <a:tcPr/>
-                </a:tc>
-                <a:extLst>
-                  <a:ext uri="{0D108BD9-81ED-4DB2-BD59-A6C34878D82A}">
-                    <a16:rowId xmlns:a16="http://schemas.microsoft.com/office/drawing/2014/main" val="1974964964"/>
-                  </a:ext>
-                </a:extLst>
-              </a:tr>
-              <a:tr h="370840">
-                <a:tc>
-                  <a:txBody>
-                    <a:bodyPr/>
-                    <a:lstStyle/>
-                    <a:p>
-                      <a:endParaRPr lang="en-US" dirty="0"/>
-                    </a:p>
-                  </a:txBody>
-                  <a:tcPr/>
-                </a:tc>
-                <a:tc>
-                  <a:txBody>
-                    <a:bodyPr/>
-                    <a:lstStyle/>
-                    <a:p>
-                      <a:endParaRPr lang="en-US" dirty="0"/>
-                    </a:p>
-                  </a:txBody>
-                  <a:tcPr/>
-                </a:tc>
-                <a:tc>
-                  <a:txBody>
-                    <a:bodyPr/>
-                    <a:lstStyle/>
-                    <a:p>
-                      <a:endParaRPr lang="en-US" dirty="0"/>
-                    </a:p>
-                  </a:txBody>
-                  <a:tcPr/>
-                </a:tc>
-                <a:extLst>
-                  <a:ext uri="{0D108BD9-81ED-4DB2-BD59-A6C34878D82A}">
-                    <a16:rowId xmlns:a16="http://schemas.microsoft.com/office/drawing/2014/main" val="1726255890"/>
-                  </a:ext>
-                </a:extLst>
-              </a:tr>
-              <a:tr h="370840">
-                <a:tc>
-                  <a:txBody>
-                    <a:bodyPr/>
-                    <a:lstStyle/>
-                    <a:p>
-                      <a:endParaRPr lang="en-US" dirty="0"/>
-                    </a:p>
-                  </a:txBody>
-                  <a:tcPr/>
-                </a:tc>
-                <a:tc>
-                  <a:txBody>
-                    <a:bodyPr/>
-                    <a:lstStyle/>
-                    <a:p>
-                      <a:endParaRPr lang="en-US" dirty="0"/>
-                    </a:p>
-                  </a:txBody>
-                  <a:tcPr/>
-                </a:tc>
-                <a:tc>
-                  <a:txBody>
-                    <a:bodyPr/>
-                    <a:lstStyle/>
-                    <a:p>
-                      <a:endParaRPr lang="en-US" dirty="0"/>
-                    </a:p>
-                  </a:txBody>
-                  <a:tcPr/>
-                </a:tc>
-                <a:extLst>
-                  <a:ext uri="{0D108BD9-81ED-4DB2-BD59-A6C34878D82A}">
-                    <a16:rowId xmlns:a16="http://schemas.microsoft.com/office/drawing/2014/main" val="3257733450"/>
-                  </a:ext>
-                </a:extLst>
-              </a:tr>
-              <a:tr h="370840">
-                <a:tc>
-                  <a:txBody>
-                    <a:bodyPr/>
-                    <a:lstStyle/>
-                    <a:p>
-                      <a:endParaRPr lang="en-US" dirty="0"/>
-                    </a:p>
-                  </a:txBody>
-                  <a:tcPr/>
-                </a:tc>
-                <a:tc>
-                  <a:txBody>
-                    <a:bodyPr/>
-                    <a:lstStyle/>
-                    <a:p>
-                      <a:endParaRPr lang="en-US" dirty="0"/>
-                    </a:p>
-                  </a:txBody>
-                  <a:tcPr/>
-                </a:tc>
-                <a:tc>
-                  <a:txBody>
-                    <a:bodyPr/>
-                    <a:lstStyle/>
-                    <a:p>
-                      <a:endParaRPr lang="en-US" dirty="0"/>
-                    </a:p>
-                  </a:txBody>
-                  <a:tcPr/>
-                </a:tc>
-                <a:extLst>
-                  <a:ext uri="{0D108BD9-81ED-4DB2-BD59-A6C34878D82A}">
-                    <a16:rowId xmlns:a16="http://schemas.microsoft.com/office/drawing/2014/main" val="102125966"/>
-                  </a:ext>
-                </a:extLst>
-              </a:tr>
-              <a:tr h="370840">
-                <a:tc>
-                  <a:txBody>
-                    <a:bodyPr/>
-                    <a:lstStyle/>
-                    <a:p>
-                      <a:endParaRPr lang="en-US" dirty="0"/>
-                    </a:p>
-                  </a:txBody>
-                  <a:tcPr/>
-                </a:tc>
-                <a:tc>
-                  <a:txBody>
-                    <a:bodyPr/>
-                    <a:lstStyle/>
-                    <a:p>
-                      <a:endParaRPr lang="en-US" dirty="0"/>
-                    </a:p>
-                  </a:txBody>
-                  <a:tcPr/>
-                </a:tc>
-                <a:tc>
-                  <a:txBody>
-                    <a:bodyPr/>
-                    <a:lstStyle/>
-                    <a:p>
-                      <a:endParaRPr lang="en-US" dirty="0"/>
-                    </a:p>
-                  </a:txBody>
-                  <a:tcPr/>
-                </a:tc>
-                <a:extLst>
-                  <a:ext uri="{0D108BD9-81ED-4DB2-BD59-A6C34878D82A}">
-                    <a16:rowId xmlns:a16="http://schemas.microsoft.com/office/drawing/2014/main" val="3667334949"/>
-                  </a:ext>
-                </a:extLst>
-              </a:tr>
-            </a:tbl>
-          </a:graphicData>
-        </a:graphic>
-      </p:graphicFrame>
-    </p:spTree>
-    <p:extLst>
-      <p:ext uri="{BB962C8B-B14F-4D97-AF65-F5344CB8AC3E}">
-        <p14:creationId xmlns:p14="http://schemas.microsoft.com/office/powerpoint/2010/main" val="2877227856"/>
-      </p:ext>
-    </p:extLst>
-  </p:cSld>
-  <p:clrMapOvr>
-    <a:masterClrMapping/>
-  </p:clrMapOvr>
-</p:sld>
-</file>
-
-<file path=ppt/slides/slide6.xml><?xml version="1.0" encoding="utf-8"?>
-<p:sld xmlns:a="http://schemas.openxmlformats.org/drawingml/2006/main" xmlns:r="http://schemas.openxmlformats.org/officeDocument/2006/relationships" xmlns:p="http://schemas.openxmlformats.org/presentationml/2006/main">
-  <p:cSld>
-    <p:spTree>
-      <p:nvGrpSpPr>
-        <p:cNvPr id="1" name=""/>
-        <p:cNvGrpSpPr/>
-        <p:nvPr/>
-      </p:nvGrpSpPr>
-      <p:grpSpPr>
-        <a:xfrm>
-          <a:off x="0" y="0"/>
-          <a:ext cx="0" cy="0"/>
-          <a:chOff x="0" y="0"/>
-          <a:chExt cx="0" cy="0"/>
-        </a:xfrm>
-      </p:grpSpPr>
-      <p:sp>
-        <p:nvSpPr>
           <p:cNvPr id="7" name="Rectangle 6">
             <a:extLst>
               <a:ext uri="{FF2B5EF4-FFF2-40B4-BE49-F238E27FC236}">
@@ -5488,6 +4480,17 @@
               <a:t>- Total precipitation over Time</a:t>
             </a:r>
           </a:p>
+          <a:p>
+            <a:pPr algn="ctr"/>
+            <a:r>
+              <a:rPr lang="en-US" sz="1050" dirty="0">
+                <a:solidFill>
+                  <a:schemeClr val="tx1"/>
+                </a:solidFill>
+              </a:rPr>
+              <a:t>- Avg temp over Time</a:t>
+            </a:r>
+          </a:p>
         </p:txBody>
       </p:sp>
       <p:sp>
@@ -6144,9 +5147,33 @@
                 <a:solidFill>
                   <a:schemeClr val="tx1"/>
                 </a:solidFill>
+                <a:hlinkClick r:id="rId3"/>
               </a:rPr>
-              <a:t>?</a:t>
-            </a:r>
+              <a:t>Machine learning model visual – enter weather parameters and </a:t>
+            </a:r>
+            <a:r>
+              <a:rPr lang="en-US" sz="1050" dirty="0" err="1">
+                <a:solidFill>
+                  <a:schemeClr val="tx1"/>
+                </a:solidFill>
+                <a:hlinkClick r:id="rId3"/>
+              </a:rPr>
+              <a:t>nbr</a:t>
+            </a:r>
+            <a:r>
+              <a:rPr lang="en-US" sz="1050" dirty="0">
+                <a:solidFill>
+                  <a:schemeClr val="tx1"/>
+                </a:solidFill>
+                <a:hlinkClick r:id="rId3"/>
+              </a:rPr>
+              <a:t> of crimes will be predicted</a:t>
+            </a:r>
+            <a:endParaRPr lang="en-US" sz="1050" dirty="0">
+              <a:solidFill>
+                <a:schemeClr val="tx1"/>
+              </a:solidFill>
+            </a:endParaRPr>
           </a:p>
         </p:txBody>
       </p:sp>
@@ -6202,7 +5229,7 @@
 </p:sld>
 </file>
 
-<file path=ppt/slides/slide7.xml><?xml version="1.0" encoding="utf-8"?>
+<file path=ppt/slides/slide5.xml><?xml version="1.0" encoding="utf-8"?>
 <p:sld xmlns:a="http://schemas.openxmlformats.org/drawingml/2006/main" xmlns:r="http://schemas.openxmlformats.org/officeDocument/2006/relationships" xmlns:p="http://schemas.openxmlformats.org/presentationml/2006/main">
   <p:cSld>
     <p:spTree>
@@ -6270,13 +5297,19 @@
           <a:p>
             <a:r>
               <a:rPr lang="en-US" dirty="0"/>
-              <a:t>Determine if there is an observable relationship between weather features and crime rates</a:t>
+              <a:t>To view summary statistics on crime and weather in Toronto in a dynamic product</a:t>
             </a:r>
           </a:p>
           <a:p>
             <a:r>
               <a:rPr lang="en-US" dirty="0"/>
-              <a:t>View summary statistics on crime and weather in Toronto</a:t>
+              <a:t>To determine if there is an observable relationship between weather features and crime rates</a:t>
+            </a:r>
+          </a:p>
+          <a:p>
+            <a:r>
+              <a:rPr lang="en-US" dirty="0"/>
+              <a:t>To be able to use this dashboard to input weather parameters to predict number of crimes in a day in Toronto</a:t>
             </a:r>
           </a:p>
         </p:txBody>
